--- a/Shared/[패스트캠퍼스] 7강의자료_김경원박사.pptx
+++ b/Shared/[패스트캠퍼스] 7강의자료_김경원박사.pptx
@@ -5,42 +5,57 @@
     <p:sldMasterId id="2147483648" r:id="rId1"/>
   </p:sldMasterIdLst>
   <p:notesMasterIdLst>
-    <p:notesMasterId r:id="rId24"/>
+    <p:notesMasterId r:id="rId39"/>
   </p:notesMasterIdLst>
   <p:handoutMasterIdLst>
-    <p:handoutMasterId r:id="rId25"/>
+    <p:handoutMasterId r:id="rId40"/>
   </p:handoutMasterIdLst>
   <p:sldIdLst>
     <p:sldId id="1063" r:id="rId2"/>
-    <p:sldId id="1103" r:id="rId3"/>
-    <p:sldId id="1142" r:id="rId4"/>
-    <p:sldId id="1196" r:id="rId5"/>
-    <p:sldId id="1197" r:id="rId6"/>
-    <p:sldId id="1198" r:id="rId7"/>
-    <p:sldId id="1202" r:id="rId8"/>
-    <p:sldId id="1203" r:id="rId9"/>
-    <p:sldId id="1200" r:id="rId10"/>
-    <p:sldId id="1201" r:id="rId11"/>
-    <p:sldId id="1204" r:id="rId12"/>
-    <p:sldId id="1208" r:id="rId13"/>
-    <p:sldId id="1205" r:id="rId14"/>
-    <p:sldId id="1206" r:id="rId15"/>
-    <p:sldId id="1207" r:id="rId16"/>
-    <p:sldId id="1209" r:id="rId17"/>
-    <p:sldId id="1210" r:id="rId18"/>
-    <p:sldId id="1211" r:id="rId19"/>
-    <p:sldId id="1216" r:id="rId20"/>
-    <p:sldId id="1212" r:id="rId21"/>
-    <p:sldId id="1213" r:id="rId22"/>
-    <p:sldId id="1062" r:id="rId23"/>
+    <p:sldId id="1142" r:id="rId3"/>
+    <p:sldId id="1103" r:id="rId4"/>
+    <p:sldId id="1186" r:id="rId5"/>
+    <p:sldId id="1187" r:id="rId6"/>
+    <p:sldId id="1188" r:id="rId7"/>
+    <p:sldId id="1189" r:id="rId8"/>
+    <p:sldId id="1190" r:id="rId9"/>
+    <p:sldId id="1191" r:id="rId10"/>
+    <p:sldId id="1192" r:id="rId11"/>
+    <p:sldId id="1193" r:id="rId12"/>
+    <p:sldId id="1194" r:id="rId13"/>
+    <p:sldId id="1195" r:id="rId14"/>
+    <p:sldId id="1217" r:id="rId15"/>
+    <p:sldId id="1218" r:id="rId16"/>
+    <p:sldId id="1219" r:id="rId17"/>
+    <p:sldId id="1220" r:id="rId18"/>
+    <p:sldId id="1221" r:id="rId19"/>
+    <p:sldId id="1222" r:id="rId20"/>
+    <p:sldId id="1224" r:id="rId21"/>
+    <p:sldId id="1223" r:id="rId22"/>
+    <p:sldId id="1204" r:id="rId23"/>
+    <p:sldId id="1208" r:id="rId24"/>
+    <p:sldId id="1205" r:id="rId25"/>
+    <p:sldId id="1206" r:id="rId26"/>
+    <p:sldId id="1207" r:id="rId27"/>
+    <p:sldId id="1209" r:id="rId28"/>
+    <p:sldId id="1225" r:id="rId29"/>
+    <p:sldId id="1226" r:id="rId30"/>
+    <p:sldId id="1227" r:id="rId31"/>
+    <p:sldId id="1228" r:id="rId32"/>
+    <p:sldId id="1210" r:id="rId33"/>
+    <p:sldId id="1211" r:id="rId34"/>
+    <p:sldId id="1216" r:id="rId35"/>
+    <p:sldId id="1212" r:id="rId36"/>
+    <p:sldId id="1213" r:id="rId37"/>
+    <p:sldId id="1062" r:id="rId38"/>
   </p:sldIdLst>
   <p:sldSz cx="12160250" cy="6840538"/>
   <p:notesSz cx="9874250" cy="6797675"/>
   <p:embeddedFontLst>
     <p:embeddedFont>
       <p:font typeface="맑은 고딕" panose="020B0503020000020004" pitchFamily="50" charset="-127"/>
-      <p:regular r:id="rId26"/>
-      <p:bold r:id="rId27"/>
+      <p:regular r:id="rId41"/>
+      <p:bold r:id="rId42"/>
     </p:embeddedFont>
   </p:embeddedFontLst>
   <p:defaultTextStyle>
@@ -253,7 +268,7 @@
           <a:p>
             <a:fld id="{FC718EE8-BF93-4A17-BED5-FC99EECA5FC7}" type="datetimeFigureOut">
               <a:rPr lang="ko-KR" altLang="en-US" smtClean="0"/>
-              <a:t>2019-04-03</a:t>
+              <a:t>2019-07-15</a:t>
             </a:fld>
             <a:endParaRPr lang="ko-KR" altLang="en-US"/>
           </a:p>
@@ -418,7 +433,7 @@
           <a:p>
             <a:fld id="{6101F873-BA02-446B-9127-C4DE4310B943}" type="datetimeFigureOut">
               <a:rPr lang="ko-KR" altLang="en-US" smtClean="0"/>
-              <a:t>2019-04-03</a:t>
+              <a:t>2019-07-15</a:t>
             </a:fld>
             <a:endParaRPr lang="ko-KR" altLang="en-US"/>
           </a:p>
@@ -750,7 +765,7 @@
           <a:p>
             <a:fld id="{C191BC67-C438-4515-9D3F-F10D40F1354A}" type="slidenum">
               <a:rPr lang="ko-KR" altLang="en-US" smtClean="0"/>
-              <a:t>3</a:t>
+              <a:t>2</a:t>
             </a:fld>
             <a:endParaRPr lang="ko-KR" altLang="en-US"/>
           </a:p>
@@ -948,7 +963,7 @@
           <a:p>
             <a:fld id="{89B5E594-86C5-4F1D-8812-38DF40064943}" type="datetime1">
               <a:rPr lang="ko-KR" altLang="en-US" smtClean="0"/>
-              <a:t>2019-04-03</a:t>
+              <a:t>2019-07-15</a:t>
             </a:fld>
             <a:endParaRPr lang="ko-KR" altLang="en-US"/>
           </a:p>
@@ -1156,7 +1171,7 @@
           <a:p>
             <a:fld id="{05C0B17C-522D-4CD8-8139-01EDEBAB2AF6}" type="datetime1">
               <a:rPr lang="ko-KR" altLang="en-US" smtClean="0"/>
-              <a:t>2019-04-03</a:t>
+              <a:t>2019-07-15</a:t>
             </a:fld>
             <a:endParaRPr lang="ko-KR" altLang="en-US"/>
           </a:p>
@@ -1334,7 +1349,7 @@
           <a:p>
             <a:fld id="{7345261C-38F3-40E7-AAA6-CE27B727AA65}" type="datetime1">
               <a:rPr lang="ko-KR" altLang="en-US" smtClean="0"/>
-              <a:t>2019-04-03</a:t>
+              <a:t>2019-07-15</a:t>
             </a:fld>
             <a:endParaRPr lang="ko-KR" altLang="en-US"/>
           </a:p>
@@ -1502,7 +1517,7 @@
           <a:p>
             <a:fld id="{A8472951-AD8C-47B8-8787-30E2F4BFA1EA}" type="datetime1">
               <a:rPr lang="ko-KR" altLang="en-US" smtClean="0"/>
-              <a:t>2019-04-03</a:t>
+              <a:t>2019-07-15</a:t>
             </a:fld>
             <a:endParaRPr lang="ko-KR" altLang="en-US"/>
           </a:p>
@@ -1757,7 +1772,7 @@
           <a:p>
             <a:fld id="{8BCB1BBF-13D1-46E6-8B8B-C9F26A0BAD91}" type="datetime1">
               <a:rPr lang="ko-KR" altLang="en-US" smtClean="0"/>
-              <a:t>2019-04-03</a:t>
+              <a:t>2019-07-15</a:t>
             </a:fld>
             <a:endParaRPr lang="ko-KR" altLang="en-US"/>
           </a:p>
@@ -2042,7 +2057,7 @@
           <a:p>
             <a:fld id="{B16FDC3D-FD6A-49DF-B101-11717D57279F}" type="datetime1">
               <a:rPr lang="ko-KR" altLang="en-US" smtClean="0"/>
-              <a:t>2019-04-03</a:t>
+              <a:t>2019-07-15</a:t>
             </a:fld>
             <a:endParaRPr lang="ko-KR" altLang="en-US"/>
           </a:p>
@@ -2461,7 +2476,7 @@
           <a:p>
             <a:fld id="{42D411A2-FD90-4A19-98A8-25197A66BC26}" type="datetime1">
               <a:rPr lang="ko-KR" altLang="en-US" smtClean="0"/>
-              <a:t>2019-04-03</a:t>
+              <a:t>2019-07-15</a:t>
             </a:fld>
             <a:endParaRPr lang="ko-KR" altLang="en-US"/>
           </a:p>
@@ -2578,7 +2593,7 @@
           <a:p>
             <a:fld id="{F6E6B532-6471-449A-9A2F-4428556C2F98}" type="datetime1">
               <a:rPr lang="ko-KR" altLang="en-US" smtClean="0"/>
-              <a:t>2019-04-03</a:t>
+              <a:t>2019-07-15</a:t>
             </a:fld>
             <a:endParaRPr lang="ko-KR" altLang="en-US"/>
           </a:p>
@@ -2673,7 +2688,7 @@
           <a:p>
             <a:fld id="{45A9E13B-856D-4562-A86D-A2B6F7BF810F}" type="datetime1">
               <a:rPr lang="ko-KR" altLang="en-US" smtClean="0"/>
-              <a:t>2019-04-03</a:t>
+              <a:t>2019-07-15</a:t>
             </a:fld>
             <a:endParaRPr lang="ko-KR" altLang="en-US"/>
           </a:p>
@@ -2948,7 +2963,7 @@
           <a:p>
             <a:fld id="{A672FB3A-7E9E-4380-9381-6FCA87FBB41A}" type="datetime1">
               <a:rPr lang="ko-KR" altLang="en-US" smtClean="0"/>
-              <a:t>2019-04-03</a:t>
+              <a:t>2019-07-15</a:t>
             </a:fld>
             <a:endParaRPr lang="ko-KR" altLang="en-US"/>
           </a:p>
@@ -3200,7 +3215,7 @@
           <a:p>
             <a:fld id="{3948CCBA-1514-4E9E-888A-807450F810B0}" type="datetime1">
               <a:rPr lang="ko-KR" altLang="en-US" smtClean="0"/>
-              <a:t>2019-04-03</a:t>
+              <a:t>2019-07-15</a:t>
             </a:fld>
             <a:endParaRPr lang="ko-KR" altLang="en-US"/>
           </a:p>
@@ -3413,7 +3428,7 @@
           <a:p>
             <a:fld id="{170EDEE7-370E-499F-B978-ABF387098974}" type="datetime1">
               <a:rPr lang="ko-KR" altLang="en-US" smtClean="0"/>
-              <a:t>2019-04-03</a:t>
+              <a:t>2019-07-15</a:t>
             </a:fld>
             <a:endParaRPr lang="ko-KR" altLang="en-US" dirty="0"/>
           </a:p>
@@ -3829,14 +3844,20 @@
       </p:grpSpPr>
       <p:sp>
         <p:nvSpPr>
-          <p:cNvPr id="4" name="TextBox 3"/>
+          <p:cNvPr id="5" name="TextBox 4">
+            <a:extLst>
+              <a:ext uri="{FF2B5EF4-FFF2-40B4-BE49-F238E27FC236}">
+                <a16:creationId xmlns:a16="http://schemas.microsoft.com/office/drawing/2014/main" id="{26CF68C2-AE2A-42F0-832D-578D0A6D2AA5}"/>
+              </a:ext>
+            </a:extLst>
+          </p:cNvPr>
           <p:cNvSpPr txBox="1"/>
           <p:nvPr/>
         </p:nvSpPr>
         <p:spPr>
           <a:xfrm>
-            <a:off x="895549" y="1835358"/>
-            <a:ext cx="10283475" cy="973636"/>
+            <a:off x="643521" y="1620069"/>
+            <a:ext cx="10873208" cy="2881851"/>
           </a:xfrm>
           <a:prstGeom prst="rect">
             <a:avLst/>
@@ -3849,152 +3870,116 @@
           </a:bodyPr>
           <a:lstStyle/>
           <a:p>
-            <a:r>
-              <a:rPr lang="en-US" altLang="ko-KR" sz="2800" dirty="0">
+            <a:pPr algn="ctr"/>
+            <a:r>
+              <a:rPr lang="en-US" altLang="ko-KR" sz="3600" dirty="0">
                 <a:latin typeface="Noto Sans CJK KR Black" pitchFamily="34" charset="-127"/>
                 <a:ea typeface="Noto Sans CJK KR Black" pitchFamily="34" charset="-127"/>
               </a:rPr>
-              <a:t>Part3. </a:t>
-            </a:r>
-            <a:r>
-              <a:rPr lang="ko-KR" altLang="en-US" sz="2800" dirty="0">
+              <a:t>Chapter 3.</a:t>
+            </a:r>
+          </a:p>
+          <a:p>
+            <a:pPr algn="ctr"/>
+            <a:r>
+              <a:rPr lang="en-US" altLang="ko-KR" sz="3600" dirty="0">
                 <a:latin typeface="Noto Sans CJK KR Black" pitchFamily="34" charset="-127"/>
                 <a:ea typeface="Noto Sans CJK KR Black" pitchFamily="34" charset="-127"/>
               </a:rPr>
-              <a:t>선형</a:t>
-            </a:r>
-            <a:r>
-              <a:rPr lang="en-US" altLang="ko-KR" sz="2800" dirty="0">
+              <a:t> </a:t>
+            </a:r>
+          </a:p>
+          <a:p>
+            <a:pPr algn="ctr"/>
+            <a:r>
+              <a:rPr lang="ko-KR" altLang="en-US" sz="3600" dirty="0" err="1">
                 <a:latin typeface="Noto Sans CJK KR Black" pitchFamily="34" charset="-127"/>
                 <a:ea typeface="Noto Sans CJK KR Black" pitchFamily="34" charset="-127"/>
               </a:rPr>
-              <a:t>/</a:t>
-            </a:r>
-            <a:r>
-              <a:rPr lang="ko-KR" altLang="en-US" sz="2800" dirty="0">
+              <a:t>머신러닝</a:t>
+            </a:r>
+            <a:r>
+              <a:rPr lang="ko-KR" altLang="en-US" sz="3600" dirty="0">
                 <a:latin typeface="Noto Sans CJK KR Black" pitchFamily="34" charset="-127"/>
                 <a:ea typeface="Noto Sans CJK KR Black" pitchFamily="34" charset="-127"/>
               </a:rPr>
-              <a:t>비선형</a:t>
-            </a:r>
-            <a:r>
-              <a:rPr lang="en-US" altLang="ko-KR" sz="2800" dirty="0">
-                <a:latin typeface="Noto Sans CJK KR Black" pitchFamily="34" charset="-127"/>
-                <a:ea typeface="Noto Sans CJK KR Black" pitchFamily="34" charset="-127"/>
-              </a:rPr>
-              <a:t>/</a:t>
-            </a:r>
-            <a:r>
-              <a:rPr lang="ko-KR" altLang="en-US" sz="2800" dirty="0" err="1">
-                <a:latin typeface="Noto Sans CJK KR Black" pitchFamily="34" charset="-127"/>
-                <a:ea typeface="Noto Sans CJK KR Black" pitchFamily="34" charset="-127"/>
-              </a:rPr>
-              <a:t>다변량</a:t>
-            </a:r>
-            <a:r>
-              <a:rPr lang="ko-KR" altLang="en-US" sz="2800" dirty="0">
-                <a:latin typeface="Noto Sans CJK KR Black" pitchFamily="34" charset="-127"/>
-                <a:ea typeface="Noto Sans CJK KR Black" pitchFamily="34" charset="-127"/>
-              </a:rPr>
-              <a:t> 시계열 모델 이해</a:t>
-            </a:r>
-            <a:endParaRPr lang="en-US" altLang="ko-KR" sz="2800" dirty="0">
+              <a:t> 모형 비교를 통한 </a:t>
+            </a:r>
+            <a:endParaRPr lang="en-US" altLang="ko-KR" sz="3600" dirty="0">
               <a:latin typeface="Noto Sans CJK KR Black" pitchFamily="34" charset="-127"/>
               <a:ea typeface="Noto Sans CJK KR Black" pitchFamily="34" charset="-127"/>
             </a:endParaRPr>
           </a:p>
           <a:p>
-            <a:pPr marL="685800" indent="-685800">
-              <a:buFontTx/>
-              <a:buChar char="-"/>
-            </a:pPr>
-            <a:r>
-              <a:rPr lang="en-US" altLang="ko-KR" sz="2800" dirty="0">
+            <a:pPr algn="ctr"/>
+            <a:r>
+              <a:rPr lang="ko-KR" altLang="en-US" sz="3600" dirty="0">
                 <a:latin typeface="Noto Sans CJK KR Black" pitchFamily="34" charset="-127"/>
                 <a:ea typeface="Noto Sans CJK KR Black" pitchFamily="34" charset="-127"/>
               </a:rPr>
-              <a:t>7</a:t>
-            </a:r>
-            <a:r>
-              <a:rPr lang="ko-KR" altLang="en-US" sz="2800" dirty="0" err="1">
-                <a:latin typeface="Noto Sans CJK KR Black" pitchFamily="34" charset="-127"/>
-                <a:ea typeface="Noto Sans CJK KR Black" pitchFamily="34" charset="-127"/>
-              </a:rPr>
-              <a:t>회차</a:t>
-            </a:r>
-            <a:r>
-              <a:rPr lang="en-US" altLang="ko-KR" sz="2800" dirty="0">
-                <a:latin typeface="Noto Sans CJK KR Black" pitchFamily="34" charset="-127"/>
-                <a:ea typeface="Noto Sans CJK KR Black" pitchFamily="34" charset="-127"/>
-              </a:rPr>
-              <a:t>: </a:t>
-            </a:r>
-            <a:r>
-              <a:rPr lang="ko-KR" altLang="en-US" sz="2800" dirty="0">
-                <a:latin typeface="Noto Sans CJK KR Black" pitchFamily="34" charset="-127"/>
-                <a:ea typeface="Noto Sans CJK KR Black" pitchFamily="34" charset="-127"/>
-              </a:rPr>
-              <a:t>시계열 </a:t>
-            </a:r>
-            <a:r>
-              <a:rPr lang="en-US" altLang="ko-KR" sz="2800" dirty="0">
-                <a:latin typeface="Noto Sans CJK KR Black" pitchFamily="34" charset="-127"/>
-                <a:ea typeface="Noto Sans CJK KR Black" pitchFamily="34" charset="-127"/>
-              </a:rPr>
-              <a:t>“</a:t>
-            </a:r>
-            <a:r>
-              <a:rPr lang="ko-KR" altLang="en-US" sz="2800" dirty="0">
-                <a:latin typeface="Noto Sans CJK KR Black" pitchFamily="34" charset="-127"/>
-                <a:ea typeface="Noto Sans CJK KR Black" pitchFamily="34" charset="-127"/>
-              </a:rPr>
-              <a:t>선형</a:t>
-            </a:r>
-            <a:r>
-              <a:rPr lang="en-US" altLang="ko-KR" sz="2800" dirty="0">
-                <a:latin typeface="Noto Sans CJK KR Black" pitchFamily="34" charset="-127"/>
-                <a:ea typeface="Noto Sans CJK KR Black" pitchFamily="34" charset="-127"/>
-              </a:rPr>
-              <a:t>/</a:t>
-            </a:r>
-            <a:r>
-              <a:rPr lang="ko-KR" altLang="en-US" sz="2800" dirty="0">
-                <a:latin typeface="Noto Sans CJK KR Black" pitchFamily="34" charset="-127"/>
-                <a:ea typeface="Noto Sans CJK KR Black" pitchFamily="34" charset="-127"/>
-              </a:rPr>
-              <a:t>비선형 시계열분석</a:t>
-            </a:r>
-            <a:r>
-              <a:rPr lang="en-US" altLang="ko-KR" sz="2800" dirty="0">
-                <a:latin typeface="Noto Sans CJK KR Black" pitchFamily="34" charset="-127"/>
-                <a:ea typeface="Noto Sans CJK KR Black" pitchFamily="34" charset="-127"/>
-              </a:rPr>
-              <a:t>”</a:t>
-            </a:r>
-            <a:r>
-              <a:rPr lang="ko-KR" altLang="en-US" sz="2800" dirty="0">
-                <a:latin typeface="Noto Sans CJK KR Black" pitchFamily="34" charset="-127"/>
-                <a:ea typeface="Noto Sans CJK KR Black" pitchFamily="34" charset="-127"/>
-              </a:rPr>
-              <a:t> 완성</a:t>
-            </a:r>
-            <a:endParaRPr lang="en-US" altLang="ko-KR" sz="2800" dirty="0">
+              <a:t>시계열 모형 이해 및 적용하기</a:t>
+            </a:r>
+            <a:endParaRPr lang="en-US" altLang="ko-KR" sz="3600" dirty="0">
               <a:latin typeface="Noto Sans CJK KR Black" pitchFamily="34" charset="-127"/>
               <a:ea typeface="Noto Sans CJK KR Black" pitchFamily="34" charset="-127"/>
             </a:endParaRPr>
           </a:p>
-        </p:txBody>
-      </p:sp>
-      <p:sp>
-        <p:nvSpPr>
-          <p:cNvPr id="7" name="TextBox 6"/>
+          <a:p>
+            <a:pPr algn="ctr"/>
+            <a:r>
+              <a:rPr lang="en-US" altLang="ko-KR" sz="3600" dirty="0">
+                <a:latin typeface="Noto Sans CJK KR Black" pitchFamily="34" charset="-127"/>
+                <a:ea typeface="Noto Sans CJK KR Black" pitchFamily="34" charset="-127"/>
+              </a:rPr>
+              <a:t>(</a:t>
+            </a:r>
+            <a:r>
+              <a:rPr lang="ko-KR" altLang="en-US" sz="3600" dirty="0">
+                <a:latin typeface="Noto Sans CJK KR Black" pitchFamily="34" charset="-127"/>
+                <a:ea typeface="Noto Sans CJK KR Black" pitchFamily="34" charset="-127"/>
+              </a:rPr>
+              <a:t>총</a:t>
+            </a:r>
+            <a:r>
+              <a:rPr lang="en-US" altLang="ko-KR" sz="3600" dirty="0">
+                <a:latin typeface="Noto Sans CJK KR Black" pitchFamily="34" charset="-127"/>
+                <a:ea typeface="Noto Sans CJK KR Black" pitchFamily="34" charset="-127"/>
+              </a:rPr>
+              <a:t>4</a:t>
+            </a:r>
+            <a:r>
+              <a:rPr lang="ko-KR" altLang="en-US" sz="3600" dirty="0">
+                <a:latin typeface="Noto Sans CJK KR Black" pitchFamily="34" charset="-127"/>
+                <a:ea typeface="Noto Sans CJK KR Black" pitchFamily="34" charset="-127"/>
+              </a:rPr>
+              <a:t>주</a:t>
+            </a:r>
+            <a:r>
+              <a:rPr lang="en-US" altLang="ko-KR" sz="3600" dirty="0">
+                <a:latin typeface="Noto Sans CJK KR Black" pitchFamily="34" charset="-127"/>
+                <a:ea typeface="Noto Sans CJK KR Black" pitchFamily="34" charset="-127"/>
+              </a:rPr>
+              <a:t>)</a:t>
+            </a:r>
+          </a:p>
+        </p:txBody>
+      </p:sp>
+      <p:sp>
+        <p:nvSpPr>
+          <p:cNvPr id="6" name="TextBox 5">
+            <a:extLst>
+              <a:ext uri="{FF2B5EF4-FFF2-40B4-BE49-F238E27FC236}">
+                <a16:creationId xmlns:a16="http://schemas.microsoft.com/office/drawing/2014/main" id="{65BCCDEA-877E-4727-A3BE-499587AE3D64}"/>
+              </a:ext>
+            </a:extLst>
+          </p:cNvPr>
           <p:cNvSpPr txBox="1"/>
           <p:nvPr/>
         </p:nvSpPr>
         <p:spPr>
           <a:xfrm>
-            <a:off x="1047949" y="4081911"/>
-            <a:ext cx="10131075" cy="850526"/>
+            <a:off x="1047949" y="4883291"/>
+            <a:ext cx="10131075" cy="481194"/>
           </a:xfrm>
           <a:prstGeom prst="rect">
             <a:avLst/>
@@ -4006,16 +3991,6 @@
             <a:spAutoFit/>
           </a:bodyPr>
           <a:lstStyle/>
-          <a:p>
-            <a:pPr algn="r"/>
-            <a:r>
-              <a:rPr lang="en-US" altLang="ko-KR" sz="2400" dirty="0">
-                <a:latin typeface="Noto Sans CJK KR Medium" pitchFamily="34" charset="-127"/>
-                <a:ea typeface="Noto Sans CJK KR Medium" pitchFamily="34" charset="-127"/>
-              </a:rPr>
-              <a:t>2019.04.06.</a:t>
-            </a:r>
-          </a:p>
           <a:p>
             <a:pPr algn="r"/>
             <a:r>
@@ -4083,7 +4058,7 @@
         </p:spPr>
         <p:txBody>
           <a:bodyPr>
-            <a:normAutofit/>
+            <a:normAutofit fontScale="90000"/>
           </a:bodyPr>
           <a:lstStyle/>
           <a:p>
@@ -4112,7 +4087,32 @@
                 <a:latin typeface="Noto Sans CJK KR Black" pitchFamily="34" charset="-127"/>
                 <a:ea typeface="Noto Sans CJK KR Black" pitchFamily="34" charset="-127"/>
               </a:rPr>
-              <a:t>시계열 알고리즘</a:t>
+              <a:t>시계열 </a:t>
+            </a:r>
+            <a:br>
+              <a:rPr lang="en-US" altLang="ko-KR" sz="4400" dirty="0">
+                <a:solidFill>
+                  <a:schemeClr val="tx1">
+                    <a:lumMod val="75000"/>
+                    <a:lumOff val="25000"/>
+                  </a:schemeClr>
+                </a:solidFill>
+                <a:latin typeface="Noto Sans CJK KR Black" pitchFamily="34" charset="-127"/>
+                <a:ea typeface="Noto Sans CJK KR Black" pitchFamily="34" charset="-127"/>
+              </a:rPr>
+            </a:br>
+            <a:r>
+              <a:rPr lang="ko-KR" altLang="en-US" sz="4400" dirty="0">
+                <a:solidFill>
+                  <a:schemeClr val="tx1">
+                    <a:lumMod val="75000"/>
+                    <a:lumOff val="25000"/>
+                  </a:schemeClr>
+                </a:solidFill>
+                <a:latin typeface="Noto Sans CJK KR Black" pitchFamily="34" charset="-127"/>
+                <a:ea typeface="Noto Sans CJK KR Black" pitchFamily="34" charset="-127"/>
+              </a:rPr>
+              <a:t>알고리즘</a:t>
             </a:r>
             <a:endParaRPr lang="ko-KR" altLang="en-US" sz="4400" dirty="0">
               <a:solidFill>
@@ -4154,7 +4154,7 @@
           <p:cNvPr id="2" name="그림 1">
             <a:extLst>
               <a:ext uri="{FF2B5EF4-FFF2-40B4-BE49-F238E27FC236}">
-                <a16:creationId xmlns:a16="http://schemas.microsoft.com/office/drawing/2014/main" id="{08676314-CC49-448D-A2FD-030F814F0DC8}"/>
+                <a16:creationId xmlns:a16="http://schemas.microsoft.com/office/drawing/2014/main" id="{3C74E883-AC0C-4CE0-A70E-14D8DB836AFA}"/>
               </a:ext>
             </a:extLst>
           </p:cNvPr>
@@ -4171,8 +4171,8 @@
         </p:blipFill>
         <p:spPr>
           <a:xfrm>
-            <a:off x="1474787" y="1975496"/>
-            <a:ext cx="9210675" cy="4324350"/>
+            <a:off x="3991893" y="0"/>
+            <a:ext cx="7025200" cy="6840538"/>
           </a:xfrm>
           <a:prstGeom prst="rect">
             <a:avLst/>
@@ -4182,7 +4182,7 @@
     </p:spTree>
     <p:extLst>
       <p:ext uri="{BB962C8B-B14F-4D97-AF65-F5344CB8AC3E}">
-        <p14:creationId xmlns:p14="http://schemas.microsoft.com/office/powerpoint/2010/main" val="3372779256"/>
+        <p14:creationId xmlns:p14="http://schemas.microsoft.com/office/powerpoint/2010/main" val="195520748"/>
       </p:ext>
     </p:extLst>
   </p:cSld>
@@ -4295,10 +4295,10 @@
       </p:sp>
       <p:pic>
         <p:nvPicPr>
-          <p:cNvPr id="4" name="그림 3">
+          <p:cNvPr id="2" name="그림 1">
             <a:extLst>
               <a:ext uri="{FF2B5EF4-FFF2-40B4-BE49-F238E27FC236}">
-                <a16:creationId xmlns:a16="http://schemas.microsoft.com/office/drawing/2014/main" id="{E7339B0E-0D35-4C50-94CC-4A977AFFB05A}"/>
+                <a16:creationId xmlns:a16="http://schemas.microsoft.com/office/drawing/2014/main" id="{70C4D0BA-9575-4832-86FE-F52566FE7006}"/>
               </a:ext>
             </a:extLst>
           </p:cNvPr>
@@ -4315,8 +4315,8 @@
         </p:blipFill>
         <p:spPr>
           <a:xfrm>
-            <a:off x="1903412" y="1843881"/>
-            <a:ext cx="8353425" cy="3152775"/>
+            <a:off x="2917825" y="2248694"/>
+            <a:ext cx="6324600" cy="2343150"/>
           </a:xfrm>
           <a:prstGeom prst="rect">
             <a:avLst/>
@@ -4326,7 +4326,7 @@
     </p:spTree>
     <p:extLst>
       <p:ext uri="{BB962C8B-B14F-4D97-AF65-F5344CB8AC3E}">
-        <p14:creationId xmlns:p14="http://schemas.microsoft.com/office/powerpoint/2010/main" val="283221814"/>
+        <p14:creationId xmlns:p14="http://schemas.microsoft.com/office/powerpoint/2010/main" val="690734868"/>
       </p:ext>
     </p:extLst>
   </p:cSld>
@@ -4365,13 +4365,13 @@
         </p:nvSpPr>
         <p:spPr>
           <a:xfrm>
-            <a:off x="608016" y="551987"/>
+            <a:off x="391493" y="551987"/>
             <a:ext cx="10944225" cy="1140090"/>
           </a:xfrm>
         </p:spPr>
         <p:txBody>
           <a:bodyPr>
-            <a:normAutofit/>
+            <a:normAutofit fontScale="90000"/>
           </a:bodyPr>
           <a:lstStyle/>
           <a:p>
@@ -4400,7 +4400,32 @@
                 <a:latin typeface="Noto Sans CJK KR Black" pitchFamily="34" charset="-127"/>
                 <a:ea typeface="Noto Sans CJK KR Black" pitchFamily="34" charset="-127"/>
               </a:rPr>
-              <a:t>시계열 알고리즘</a:t>
+              <a:t>시계열</a:t>
+            </a:r>
+            <a:br>
+              <a:rPr lang="en-US" altLang="ko-KR" sz="4400" dirty="0">
+                <a:solidFill>
+                  <a:schemeClr val="tx1">
+                    <a:lumMod val="75000"/>
+                    <a:lumOff val="25000"/>
+                  </a:schemeClr>
+                </a:solidFill>
+                <a:latin typeface="Noto Sans CJK KR Black" pitchFamily="34" charset="-127"/>
+                <a:ea typeface="Noto Sans CJK KR Black" pitchFamily="34" charset="-127"/>
+              </a:rPr>
+            </a:br>
+            <a:r>
+              <a:rPr lang="ko-KR" altLang="en-US" sz="4400" dirty="0">
+                <a:solidFill>
+                  <a:schemeClr val="tx1">
+                    <a:lumMod val="75000"/>
+                    <a:lumOff val="25000"/>
+                  </a:schemeClr>
+                </a:solidFill>
+                <a:latin typeface="Noto Sans CJK KR Black" pitchFamily="34" charset="-127"/>
+                <a:ea typeface="Noto Sans CJK KR Black" pitchFamily="34" charset="-127"/>
+              </a:rPr>
+              <a:t> 알고리즘</a:t>
             </a:r>
             <a:endParaRPr lang="ko-KR" altLang="en-US" sz="4400" dirty="0">
               <a:solidFill>
@@ -4442,7 +4467,7 @@
           <p:cNvPr id="2" name="그림 1">
             <a:extLst>
               <a:ext uri="{FF2B5EF4-FFF2-40B4-BE49-F238E27FC236}">
-                <a16:creationId xmlns:a16="http://schemas.microsoft.com/office/drawing/2014/main" id="{87D39FCD-94C8-4B24-80A3-3CC63A7774DD}"/>
+                <a16:creationId xmlns:a16="http://schemas.microsoft.com/office/drawing/2014/main" id="{6AC90C05-8E8D-4E81-93ED-1782EA0A7B9E}"/>
               </a:ext>
             </a:extLst>
           </p:cNvPr>
@@ -4459,8 +4484,38 @@
         </p:blipFill>
         <p:spPr>
           <a:xfrm>
-            <a:off x="1893887" y="1692077"/>
-            <a:ext cx="8372475" cy="4733925"/>
+            <a:off x="2624368" y="573551"/>
+            <a:ext cx="9505950" cy="5715000"/>
+          </a:xfrm>
+          <a:prstGeom prst="rect">
+            <a:avLst/>
+          </a:prstGeom>
+        </p:spPr>
+      </p:pic>
+      <p:pic>
+        <p:nvPicPr>
+          <p:cNvPr id="4" name="그림 3">
+            <a:extLst>
+              <a:ext uri="{FF2B5EF4-FFF2-40B4-BE49-F238E27FC236}">
+                <a16:creationId xmlns:a16="http://schemas.microsoft.com/office/drawing/2014/main" id="{84D8CF9E-2CD9-45F8-8BDA-81D0DD0E136F}"/>
+              </a:ext>
+            </a:extLst>
+          </p:cNvPr>
+          <p:cNvPicPr>
+            <a:picLocks noChangeAspect="1"/>
+          </p:cNvPicPr>
+          <p:nvPr/>
+        </p:nvPicPr>
+        <p:blipFill>
+          <a:blip r:embed="rId3"/>
+          <a:stretch>
+            <a:fillRect/>
+          </a:stretch>
+        </p:blipFill>
+        <p:spPr>
+          <a:xfrm>
+            <a:off x="895549" y="5248648"/>
+            <a:ext cx="4476750" cy="1123950"/>
           </a:xfrm>
           <a:prstGeom prst="rect">
             <a:avLst/>
@@ -4470,7 +4525,7 @@
     </p:spTree>
     <p:extLst>
       <p:ext uri="{BB962C8B-B14F-4D97-AF65-F5344CB8AC3E}">
-        <p14:creationId xmlns:p14="http://schemas.microsoft.com/office/powerpoint/2010/main" val="4031268737"/>
+        <p14:creationId xmlns:p14="http://schemas.microsoft.com/office/powerpoint/2010/main" val="180013354"/>
       </p:ext>
     </p:extLst>
   </p:cSld>
@@ -4586,7 +4641,7 @@
           <p:cNvPr id="2" name="그림 1">
             <a:extLst>
               <a:ext uri="{FF2B5EF4-FFF2-40B4-BE49-F238E27FC236}">
-                <a16:creationId xmlns:a16="http://schemas.microsoft.com/office/drawing/2014/main" id="{052BAC70-1FB4-456A-8C07-D186B27780D7}"/>
+                <a16:creationId xmlns:a16="http://schemas.microsoft.com/office/drawing/2014/main" id="{6D5432B1-570B-4AB5-A322-8634BE7A3E9F}"/>
               </a:ext>
             </a:extLst>
           </p:cNvPr>
@@ -4603,8 +4658,8 @@
         </p:blipFill>
         <p:spPr>
           <a:xfrm>
-            <a:off x="1722437" y="1935626"/>
-            <a:ext cx="8715375" cy="4352925"/>
+            <a:off x="2617787" y="2748756"/>
+            <a:ext cx="6924675" cy="1343025"/>
           </a:xfrm>
           <a:prstGeom prst="rect">
             <a:avLst/>
@@ -4614,7 +4669,7 @@
     </p:spTree>
     <p:extLst>
       <p:ext uri="{BB962C8B-B14F-4D97-AF65-F5344CB8AC3E}">
-        <p14:creationId xmlns:p14="http://schemas.microsoft.com/office/powerpoint/2010/main" val="330327131"/>
+        <p14:creationId xmlns:p14="http://schemas.microsoft.com/office/powerpoint/2010/main" val="1294245054"/>
       </p:ext>
     </p:extLst>
   </p:cSld>
@@ -4659,7 +4714,7 @@
         </p:spPr>
         <p:txBody>
           <a:bodyPr>
-            <a:normAutofit/>
+            <a:normAutofit fontScale="90000"/>
           </a:bodyPr>
           <a:lstStyle/>
           <a:p>
@@ -4688,7 +4743,32 @@
                 <a:latin typeface="Noto Sans CJK KR Black" pitchFamily="34" charset="-127"/>
                 <a:ea typeface="Noto Sans CJK KR Black" pitchFamily="34" charset="-127"/>
               </a:rPr>
-              <a:t>시계열 알고리즘</a:t>
+              <a:t>시계열 </a:t>
+            </a:r>
+            <a:br>
+              <a:rPr lang="en-US" altLang="ko-KR" sz="4400" dirty="0">
+                <a:solidFill>
+                  <a:schemeClr val="tx1">
+                    <a:lumMod val="75000"/>
+                    <a:lumOff val="25000"/>
+                  </a:schemeClr>
+                </a:solidFill>
+                <a:latin typeface="Noto Sans CJK KR Black" pitchFamily="34" charset="-127"/>
+                <a:ea typeface="Noto Sans CJK KR Black" pitchFamily="34" charset="-127"/>
+              </a:rPr>
+            </a:br>
+            <a:r>
+              <a:rPr lang="ko-KR" altLang="en-US" sz="4400" dirty="0">
+                <a:solidFill>
+                  <a:schemeClr val="tx1">
+                    <a:lumMod val="75000"/>
+                    <a:lumOff val="25000"/>
+                  </a:schemeClr>
+                </a:solidFill>
+                <a:latin typeface="Noto Sans CJK KR Black" pitchFamily="34" charset="-127"/>
+                <a:ea typeface="Noto Sans CJK KR Black" pitchFamily="34" charset="-127"/>
+              </a:rPr>
+              <a:t>알고리즘</a:t>
             </a:r>
             <a:endParaRPr lang="ko-KR" altLang="en-US" sz="4400" dirty="0">
               <a:solidFill>
@@ -4730,7 +4810,7 @@
           <p:cNvPr id="2" name="그림 1">
             <a:extLst>
               <a:ext uri="{FF2B5EF4-FFF2-40B4-BE49-F238E27FC236}">
-                <a16:creationId xmlns:a16="http://schemas.microsoft.com/office/drawing/2014/main" id="{352EFA0A-B134-478C-A36B-235469426609}"/>
+                <a16:creationId xmlns:a16="http://schemas.microsoft.com/office/drawing/2014/main" id="{584EE725-362F-4CBD-8B56-F9827AE4F0D4}"/>
               </a:ext>
             </a:extLst>
           </p:cNvPr>
@@ -4747,8 +4827,8 @@
         </p:blipFill>
         <p:spPr>
           <a:xfrm>
-            <a:off x="2146300" y="2267744"/>
-            <a:ext cx="7867650" cy="2305050"/>
+            <a:off x="3199805" y="530680"/>
+            <a:ext cx="7820025" cy="5553075"/>
           </a:xfrm>
           <a:prstGeom prst="rect">
             <a:avLst/>
@@ -4758,7 +4838,7 @@
     </p:spTree>
     <p:extLst>
       <p:ext uri="{BB962C8B-B14F-4D97-AF65-F5344CB8AC3E}">
-        <p14:creationId xmlns:p14="http://schemas.microsoft.com/office/powerpoint/2010/main" val="2495167973"/>
+        <p14:creationId xmlns:p14="http://schemas.microsoft.com/office/powerpoint/2010/main" val="3634093780"/>
       </p:ext>
     </p:extLst>
   </p:cSld>
@@ -4874,7 +4954,7 @@
           <p:cNvPr id="2" name="그림 1">
             <a:extLst>
               <a:ext uri="{FF2B5EF4-FFF2-40B4-BE49-F238E27FC236}">
-                <a16:creationId xmlns:a16="http://schemas.microsoft.com/office/drawing/2014/main" id="{AA295CA9-2E58-47A3-8568-74F5B573365E}"/>
+                <a16:creationId xmlns:a16="http://schemas.microsoft.com/office/drawing/2014/main" id="{93F72C46-B703-49C2-A2AA-0CB7A692D5CC}"/>
               </a:ext>
             </a:extLst>
           </p:cNvPr>
@@ -4891,8 +4971,38 @@
         </p:blipFill>
         <p:spPr>
           <a:xfrm>
-            <a:off x="2265362" y="1544545"/>
-            <a:ext cx="7629525" cy="5010150"/>
+            <a:off x="1951037" y="2086769"/>
+            <a:ext cx="8258175" cy="2667000"/>
+          </a:xfrm>
+          <a:prstGeom prst="rect">
+            <a:avLst/>
+          </a:prstGeom>
+        </p:spPr>
+      </p:pic>
+      <p:pic>
+        <p:nvPicPr>
+          <p:cNvPr id="4" name="그림 3">
+            <a:extLst>
+              <a:ext uri="{FF2B5EF4-FFF2-40B4-BE49-F238E27FC236}">
+                <a16:creationId xmlns:a16="http://schemas.microsoft.com/office/drawing/2014/main" id="{9E33E7AE-BF80-49CF-AF52-5AE076AB868E}"/>
+              </a:ext>
+            </a:extLst>
+          </p:cNvPr>
+          <p:cNvPicPr>
+            <a:picLocks noChangeAspect="1"/>
+          </p:cNvPicPr>
+          <p:nvPr/>
+        </p:nvPicPr>
+        <p:blipFill>
+          <a:blip r:embed="rId3"/>
+          <a:stretch>
+            <a:fillRect/>
+          </a:stretch>
+        </p:blipFill>
+        <p:spPr>
+          <a:xfrm>
+            <a:off x="1960562" y="5148461"/>
+            <a:ext cx="8248650" cy="1019175"/>
           </a:xfrm>
           <a:prstGeom prst="rect">
             <a:avLst/>
@@ -4902,7 +5012,7 @@
     </p:spTree>
     <p:extLst>
       <p:ext uri="{BB962C8B-B14F-4D97-AF65-F5344CB8AC3E}">
-        <p14:creationId xmlns:p14="http://schemas.microsoft.com/office/powerpoint/2010/main" val="1765806923"/>
+        <p14:creationId xmlns:p14="http://schemas.microsoft.com/office/powerpoint/2010/main" val="3282653035"/>
       </p:ext>
     </p:extLst>
   </p:cSld>
@@ -5043,7 +5153,7 @@
           <p:cNvPr id="2" name="그림 1">
             <a:extLst>
               <a:ext uri="{FF2B5EF4-FFF2-40B4-BE49-F238E27FC236}">
-                <a16:creationId xmlns:a16="http://schemas.microsoft.com/office/drawing/2014/main" id="{03484797-8DD9-40EE-A361-8007536FD597}"/>
+                <a16:creationId xmlns:a16="http://schemas.microsoft.com/office/drawing/2014/main" id="{E4F9E486-DBE1-4D8B-9243-A220F591C24B}"/>
               </a:ext>
             </a:extLst>
           </p:cNvPr>
@@ -5060,8 +5170,8 @@
         </p:blipFill>
         <p:spPr>
           <a:xfrm>
-            <a:off x="3489661" y="250268"/>
-            <a:ext cx="8086725" cy="6486525"/>
+            <a:off x="3092450" y="191294"/>
+            <a:ext cx="9067800" cy="6457950"/>
           </a:xfrm>
           <a:prstGeom prst="rect">
             <a:avLst/>
@@ -5071,7 +5181,7 @@
     </p:spTree>
     <p:extLst>
       <p:ext uri="{BB962C8B-B14F-4D97-AF65-F5344CB8AC3E}">
-        <p14:creationId xmlns:p14="http://schemas.microsoft.com/office/powerpoint/2010/main" val="289151988"/>
+        <p14:creationId xmlns:p14="http://schemas.microsoft.com/office/powerpoint/2010/main" val="1657276715"/>
       </p:ext>
     </p:extLst>
   </p:cSld>
@@ -5116,7 +5226,7 @@
         </p:spPr>
         <p:txBody>
           <a:bodyPr>
-            <a:normAutofit/>
+            <a:normAutofit fontScale="90000"/>
           </a:bodyPr>
           <a:lstStyle/>
           <a:p>
@@ -5145,7 +5255,32 @@
                 <a:latin typeface="Noto Sans CJK KR Black" pitchFamily="34" charset="-127"/>
                 <a:ea typeface="Noto Sans CJK KR Black" pitchFamily="34" charset="-127"/>
               </a:rPr>
-              <a:t>시계열 알고리즘</a:t>
+              <a:t>시계열</a:t>
+            </a:r>
+            <a:br>
+              <a:rPr lang="en-US" altLang="ko-KR" sz="4400" dirty="0">
+                <a:solidFill>
+                  <a:schemeClr val="tx1">
+                    <a:lumMod val="75000"/>
+                    <a:lumOff val="25000"/>
+                  </a:schemeClr>
+                </a:solidFill>
+                <a:latin typeface="Noto Sans CJK KR Black" pitchFamily="34" charset="-127"/>
+                <a:ea typeface="Noto Sans CJK KR Black" pitchFamily="34" charset="-127"/>
+              </a:rPr>
+            </a:br>
+            <a:r>
+              <a:rPr lang="ko-KR" altLang="en-US" sz="4400" dirty="0">
+                <a:solidFill>
+                  <a:schemeClr val="tx1">
+                    <a:lumMod val="75000"/>
+                    <a:lumOff val="25000"/>
+                  </a:schemeClr>
+                </a:solidFill>
+                <a:latin typeface="Noto Sans CJK KR Black" pitchFamily="34" charset="-127"/>
+                <a:ea typeface="Noto Sans CJK KR Black" pitchFamily="34" charset="-127"/>
+              </a:rPr>
+              <a:t> 알고리즘</a:t>
             </a:r>
             <a:endParaRPr lang="ko-KR" altLang="en-US" sz="4400" dirty="0">
               <a:solidFill>
@@ -5184,10 +5319,10 @@
       </p:sp>
       <p:pic>
         <p:nvPicPr>
-          <p:cNvPr id="2" name="그림 1">
+          <p:cNvPr id="4" name="그림 3">
             <a:extLst>
               <a:ext uri="{FF2B5EF4-FFF2-40B4-BE49-F238E27FC236}">
-                <a16:creationId xmlns:a16="http://schemas.microsoft.com/office/drawing/2014/main" id="{1350564C-93F1-4004-A2A6-27327880CC47}"/>
+                <a16:creationId xmlns:a16="http://schemas.microsoft.com/office/drawing/2014/main" id="{8A01ABCF-F93E-4D40-9FA0-0DB895310B1E}"/>
               </a:ext>
             </a:extLst>
           </p:cNvPr>
@@ -5204,8 +5339,8 @@
         </p:blipFill>
         <p:spPr>
           <a:xfrm>
-            <a:off x="2189162" y="1630270"/>
-            <a:ext cx="7781925" cy="4924425"/>
+            <a:off x="3631853" y="305797"/>
+            <a:ext cx="7734300" cy="6257925"/>
           </a:xfrm>
           <a:prstGeom prst="rect">
             <a:avLst/>
@@ -5215,7 +5350,7 @@
     </p:spTree>
     <p:extLst>
       <p:ext uri="{BB962C8B-B14F-4D97-AF65-F5344CB8AC3E}">
-        <p14:creationId xmlns:p14="http://schemas.microsoft.com/office/powerpoint/2010/main" val="139457658"/>
+        <p14:creationId xmlns:p14="http://schemas.microsoft.com/office/powerpoint/2010/main" val="1166224282"/>
       </p:ext>
     </p:extLst>
   </p:cSld>
@@ -5289,7 +5424,7 @@
                 <a:latin typeface="Noto Sans CJK KR Black" pitchFamily="34" charset="-127"/>
                 <a:ea typeface="Noto Sans CJK KR Black" pitchFamily="34" charset="-127"/>
               </a:rPr>
-              <a:t>시계열 </a:t>
+              <a:t>시계열</a:t>
             </a:r>
             <a:br>
               <a:rPr lang="en-US" altLang="ko-KR" sz="4400" dirty="0">
@@ -5314,7 +5449,7 @@
                 <a:latin typeface="Noto Sans CJK KR Black" pitchFamily="34" charset="-127"/>
                 <a:ea typeface="Noto Sans CJK KR Black" pitchFamily="34" charset="-127"/>
               </a:rPr>
-              <a:t>알고리즘</a:t>
+              <a:t> 알고리즘</a:t>
             </a:r>
             <a:endParaRPr lang="ko-KR" altLang="en-US" sz="4400" dirty="0">
               <a:solidFill>
@@ -5356,7 +5491,7 @@
           <p:cNvPr id="2" name="그림 1">
             <a:extLst>
               <a:ext uri="{FF2B5EF4-FFF2-40B4-BE49-F238E27FC236}">
-                <a16:creationId xmlns:a16="http://schemas.microsoft.com/office/drawing/2014/main" id="{C5C178BE-06F3-400F-A17E-8C02811F2170}"/>
+                <a16:creationId xmlns:a16="http://schemas.microsoft.com/office/drawing/2014/main" id="{D32DEEBB-F79B-417E-B8F4-2575B8C1947E}"/>
               </a:ext>
             </a:extLst>
           </p:cNvPr>
@@ -5373,8 +5508,8 @@
         </p:blipFill>
         <p:spPr>
           <a:xfrm>
-            <a:off x="3775869" y="0"/>
-            <a:ext cx="7665284" cy="6840538"/>
+            <a:off x="3631853" y="1044005"/>
+            <a:ext cx="7458075" cy="5172075"/>
           </a:xfrm>
           <a:prstGeom prst="rect">
             <a:avLst/>
@@ -5384,7 +5519,7 @@
     </p:spTree>
     <p:extLst>
       <p:ext uri="{BB962C8B-B14F-4D97-AF65-F5344CB8AC3E}">
-        <p14:creationId xmlns:p14="http://schemas.microsoft.com/office/powerpoint/2010/main" val="3849477025"/>
+        <p14:creationId xmlns:p14="http://schemas.microsoft.com/office/powerpoint/2010/main" val="1104594349"/>
       </p:ext>
     </p:extLst>
   </p:cSld>
@@ -5500,7 +5635,7 @@
           <p:cNvPr id="2" name="그림 1">
             <a:extLst>
               <a:ext uri="{FF2B5EF4-FFF2-40B4-BE49-F238E27FC236}">
-                <a16:creationId xmlns:a16="http://schemas.microsoft.com/office/drawing/2014/main" id="{42E031B4-AED5-4F28-B798-755905D6A16C}"/>
+                <a16:creationId xmlns:a16="http://schemas.microsoft.com/office/drawing/2014/main" id="{5CA73266-A29F-4AF1-8637-0543EECC73DA}"/>
               </a:ext>
             </a:extLst>
           </p:cNvPr>
@@ -5517,8 +5652,8 @@
         </p:blipFill>
         <p:spPr>
           <a:xfrm>
-            <a:off x="3017837" y="2415381"/>
-            <a:ext cx="6124575" cy="2009775"/>
+            <a:off x="3022600" y="2917912"/>
+            <a:ext cx="6115050" cy="2228850"/>
           </a:xfrm>
           <a:prstGeom prst="rect">
             <a:avLst/>
@@ -5528,7 +5663,7 @@
     </p:spTree>
     <p:extLst>
       <p:ext uri="{BB962C8B-B14F-4D97-AF65-F5344CB8AC3E}">
-        <p14:creationId xmlns:p14="http://schemas.microsoft.com/office/powerpoint/2010/main" val="2029480034"/>
+        <p14:creationId xmlns:p14="http://schemas.microsoft.com/office/powerpoint/2010/main" val="4026991928"/>
       </p:ext>
     </p:extLst>
   </p:cSld>
@@ -5541,6 +5676,16 @@
 <file path=ppt/slides/slide2.xml><?xml version="1.0" encoding="utf-8"?>
 <p:sld xmlns:a="http://schemas.openxmlformats.org/drawingml/2006/main" xmlns:r="http://schemas.openxmlformats.org/officeDocument/2006/relationships" xmlns:p="http://schemas.openxmlformats.org/presentationml/2006/main">
   <p:cSld>
+    <p:bg>
+      <p:bgPr>
+        <a:solidFill>
+          <a:schemeClr val="bg1">
+            <a:lumMod val="65000"/>
+          </a:schemeClr>
+        </a:solidFill>
+        <a:effectLst/>
+      </p:bgPr>
+    </p:bg>
     <p:spTree>
       <p:nvGrpSpPr>
         <p:cNvPr id="1" name=""/>
@@ -5557,96 +5702,13 @@
       </p:grpSpPr>
       <p:sp>
         <p:nvSpPr>
-          <p:cNvPr id="5" name="제목 4"/>
-          <p:cNvSpPr>
-            <a:spLocks noGrp="1"/>
-          </p:cNvSpPr>
-          <p:nvPr>
-            <p:ph type="title"/>
-          </p:nvPr>
-        </p:nvSpPr>
-        <p:spPr>
-          <a:xfrm>
-            <a:off x="608016" y="551987"/>
-            <a:ext cx="10944225" cy="1140090"/>
-          </a:xfrm>
-        </p:spPr>
-        <p:txBody>
-          <a:bodyPr>
-            <a:normAutofit/>
-          </a:bodyPr>
-          <a:lstStyle/>
-          <a:p>
-            <a:pPr algn="l"/>
-            <a:r>
-              <a:rPr lang="ko-KR" altLang="en-US" sz="4400" dirty="0">
-                <a:solidFill>
-                  <a:schemeClr val="tx1">
-                    <a:lumMod val="75000"/>
-                    <a:lumOff val="25000"/>
-                  </a:schemeClr>
-                </a:solidFill>
-                <a:latin typeface="Noto Sans CJK KR Black" pitchFamily="34" charset="-127"/>
-                <a:ea typeface="Noto Sans CJK KR Black" pitchFamily="34" charset="-127"/>
-              </a:rPr>
-              <a:t>강의순서</a:t>
-            </a:r>
-            <a:r>
-              <a:rPr lang="en-US" altLang="ko-KR" sz="4400" dirty="0">
-                <a:solidFill>
-                  <a:schemeClr val="tx1">
-                    <a:lumMod val="75000"/>
-                    <a:lumOff val="25000"/>
-                  </a:schemeClr>
-                </a:solidFill>
-                <a:latin typeface="Noto Sans CJK KR Black" pitchFamily="34" charset="-127"/>
-                <a:ea typeface="Noto Sans CJK KR Black" pitchFamily="34" charset="-127"/>
-              </a:rPr>
-              <a:t>(Part3: 7</a:t>
-            </a:r>
-            <a:r>
-              <a:rPr lang="ko-KR" altLang="en-US" sz="4400" dirty="0" err="1">
-                <a:solidFill>
-                  <a:schemeClr val="tx1">
-                    <a:lumMod val="75000"/>
-                    <a:lumOff val="25000"/>
-                  </a:schemeClr>
-                </a:solidFill>
-                <a:latin typeface="Noto Sans CJK KR Black" pitchFamily="34" charset="-127"/>
-                <a:ea typeface="Noto Sans CJK KR Black" pitchFamily="34" charset="-127"/>
-              </a:rPr>
-              <a:t>회차</a:t>
-            </a:r>
-            <a:r>
-              <a:rPr lang="en-US" altLang="ko-KR" sz="4400" dirty="0">
-                <a:solidFill>
-                  <a:schemeClr val="tx1">
-                    <a:lumMod val="75000"/>
-                    <a:lumOff val="25000"/>
-                  </a:schemeClr>
-                </a:solidFill>
-                <a:latin typeface="Noto Sans CJK KR Black" pitchFamily="34" charset="-127"/>
-                <a:ea typeface="Noto Sans CJK KR Black" pitchFamily="34" charset="-127"/>
-              </a:rPr>
-              <a:t>)</a:t>
-            </a:r>
-            <a:r>
-              <a:rPr lang="ko-KR" altLang="en-US" sz="4400" dirty="0">
-                <a:solidFill>
-                  <a:schemeClr val="tx1">
-                    <a:lumMod val="75000"/>
-                    <a:lumOff val="25000"/>
-                  </a:schemeClr>
-                </a:solidFill>
-              </a:rPr>
-              <a:t> </a:t>
-            </a:r>
-          </a:p>
-        </p:txBody>
-      </p:sp>
-      <p:sp>
-        <p:nvSpPr>
-          <p:cNvPr id="15" name="슬라이드 번호 개체 틀 14"/>
+          <p:cNvPr id="5" name="슬라이드 번호 개체 틀 3">
+            <a:extLst>
+              <a:ext uri="{FF2B5EF4-FFF2-40B4-BE49-F238E27FC236}">
+                <a16:creationId xmlns:a16="http://schemas.microsoft.com/office/drawing/2014/main" id="{BAD082AA-425D-4D66-944D-ABB5880C440E}"/>
+              </a:ext>
+            </a:extLst>
+          </p:cNvPr>
           <p:cNvSpPr>
             <a:spLocks noGrp="1"/>
           </p:cNvSpPr>
@@ -5654,7 +5716,12 @@
             <p:ph type="sldNum" sz="quarter" idx="12"/>
           </p:nvPr>
         </p:nvSpPr>
-        <p:spPr/>
+        <p:spPr>
+          <a:xfrm>
+            <a:off x="9160679" y="6372598"/>
+            <a:ext cx="2837392" cy="364195"/>
+          </a:xfrm>
+        </p:spPr>
         <p:txBody>
           <a:bodyPr/>
           <a:lstStyle/>
@@ -5668,40 +5735,243 @@
           </a:p>
         </p:txBody>
       </p:sp>
-      <p:pic>
-        <p:nvPicPr>
-          <p:cNvPr id="2" name="그림 1">
+      <p:sp>
+        <p:nvSpPr>
+          <p:cNvPr id="6" name="TextBox 5">
             <a:extLst>
               <a:ext uri="{FF2B5EF4-FFF2-40B4-BE49-F238E27FC236}">
-                <a16:creationId xmlns:a16="http://schemas.microsoft.com/office/drawing/2014/main" id="{D1A85C61-1624-400F-872A-9464E17D8C02}"/>
+                <a16:creationId xmlns:a16="http://schemas.microsoft.com/office/drawing/2014/main" id="{9D4C314A-EDF3-451D-9599-8CD44BE1EAB2}"/>
               </a:ext>
             </a:extLst>
           </p:cNvPr>
-          <p:cNvPicPr>
-            <a:picLocks noChangeAspect="1"/>
-          </p:cNvPicPr>
+          <p:cNvSpPr txBox="1"/>
           <p:nvPr/>
-        </p:nvPicPr>
-        <p:blipFill>
-          <a:blip r:embed="rId2"/>
-          <a:stretch>
-            <a:fillRect/>
-          </a:stretch>
-        </p:blipFill>
-        <p:spPr>
-          <a:xfrm>
-            <a:off x="3398837" y="2046375"/>
-            <a:ext cx="5362575" cy="3971925"/>
+        </p:nvSpPr>
+        <p:spPr>
+          <a:xfrm>
+            <a:off x="542135" y="855851"/>
+            <a:ext cx="11298630" cy="3016210"/>
           </a:xfrm>
           <a:prstGeom prst="rect">
             <a:avLst/>
           </a:prstGeom>
-        </p:spPr>
-      </p:pic>
+          <a:noFill/>
+        </p:spPr>
+        <p:txBody>
+          <a:bodyPr wrap="square" lIns="0" tIns="0" rIns="0" bIns="0" rtlCol="0" anchor="t">
+            <a:spAutoFit/>
+          </a:bodyPr>
+          <a:lstStyle/>
+          <a:p>
+            <a:r>
+              <a:rPr lang="en-US" altLang="ko-KR" sz="4400" dirty="0">
+                <a:solidFill>
+                  <a:schemeClr val="bg1"/>
+                </a:solidFill>
+                <a:latin typeface="Noto Sans CJK KR Black" panose="020B0A00000000000000" pitchFamily="34" charset="-127"/>
+                <a:ea typeface="Noto Sans CJK KR Black" panose="020B0A00000000000000" pitchFamily="34" charset="-127"/>
+              </a:rPr>
+              <a:t>7</a:t>
+            </a:r>
+            <a:r>
+              <a:rPr lang="ko-KR" altLang="en-US" sz="4400" dirty="0">
+                <a:solidFill>
+                  <a:schemeClr val="bg1"/>
+                </a:solidFill>
+                <a:latin typeface="Noto Sans CJK KR Black" panose="020B0A00000000000000" pitchFamily="34" charset="-127"/>
+                <a:ea typeface="Noto Sans CJK KR Black" panose="020B0A00000000000000" pitchFamily="34" charset="-127"/>
+              </a:rPr>
+              <a:t>주차 강의의 목적</a:t>
+            </a:r>
+            <a:endParaRPr lang="en-US" altLang="ko-KR" sz="4400" dirty="0">
+              <a:solidFill>
+                <a:schemeClr val="bg1"/>
+              </a:solidFill>
+              <a:latin typeface="Noto Sans CJK KR Black" panose="020B0A00000000000000" pitchFamily="34" charset="-127"/>
+              <a:ea typeface="Noto Sans CJK KR Black" panose="020B0A00000000000000" pitchFamily="34" charset="-127"/>
+            </a:endParaRPr>
+          </a:p>
+          <a:p>
+            <a:endParaRPr lang="en-US" altLang="ko-KR" sz="4400" dirty="0">
+              <a:solidFill>
+                <a:schemeClr val="bg1"/>
+              </a:solidFill>
+              <a:latin typeface="Noto Sans CJK KR Black" panose="020B0A00000000000000" pitchFamily="34" charset="-127"/>
+              <a:ea typeface="Noto Sans CJK KR Black" panose="020B0A00000000000000" pitchFamily="34" charset="-127"/>
+            </a:endParaRPr>
+          </a:p>
+          <a:p>
+            <a:endParaRPr lang="en-US" altLang="ko-KR" sz="4400" dirty="0">
+              <a:solidFill>
+                <a:schemeClr val="bg1"/>
+              </a:solidFill>
+              <a:latin typeface="Noto Sans CJK KR Black" panose="020B0A00000000000000" pitchFamily="34" charset="-127"/>
+              <a:ea typeface="Noto Sans CJK KR Black" panose="020B0A00000000000000" pitchFamily="34" charset="-127"/>
+            </a:endParaRPr>
+          </a:p>
+          <a:p>
+            <a:r>
+              <a:rPr lang="en-US" altLang="ko-KR" sz="3200" dirty="0">
+                <a:solidFill>
+                  <a:schemeClr val="bg1"/>
+                </a:solidFill>
+                <a:latin typeface="Noto Sans CJK KR Black" panose="020B0A00000000000000" pitchFamily="34" charset="-127"/>
+                <a:ea typeface="Noto Sans CJK KR Black" panose="020B0A00000000000000" pitchFamily="34" charset="-127"/>
+              </a:rPr>
+              <a:t>“</a:t>
+            </a:r>
+            <a:r>
+              <a:rPr lang="ko-KR" altLang="en-US" sz="3200" dirty="0">
+                <a:solidFill>
+                  <a:schemeClr val="bg1"/>
+                </a:solidFill>
+                <a:latin typeface="Noto Sans CJK KR Black" panose="020B0A00000000000000" pitchFamily="34" charset="-127"/>
+                <a:ea typeface="Noto Sans CJK KR Black" panose="020B0A00000000000000" pitchFamily="34" charset="-127"/>
+              </a:rPr>
+              <a:t>시계열 알고리즘</a:t>
+            </a:r>
+            <a:r>
+              <a:rPr lang="en-US" altLang="ko-KR" sz="3200" dirty="0">
+                <a:solidFill>
+                  <a:schemeClr val="bg1"/>
+                </a:solidFill>
+                <a:latin typeface="Noto Sans CJK KR Black" panose="020B0A00000000000000" pitchFamily="34" charset="-127"/>
+                <a:ea typeface="Noto Sans CJK KR Black" panose="020B0A00000000000000" pitchFamily="34" charset="-127"/>
+              </a:rPr>
+              <a:t>“</a:t>
+            </a:r>
+          </a:p>
+          <a:p>
+            <a:r>
+              <a:rPr lang="en-US" altLang="ko-KR" sz="3200" dirty="0">
+                <a:solidFill>
+                  <a:schemeClr val="bg1"/>
+                </a:solidFill>
+                <a:latin typeface="Noto Sans CJK KR Black" panose="020B0A00000000000000" pitchFamily="34" charset="-127"/>
+                <a:ea typeface="Noto Sans CJK KR Black" panose="020B0A00000000000000" pitchFamily="34" charset="-127"/>
+              </a:rPr>
+              <a:t>(</a:t>
+            </a:r>
+            <a:r>
+              <a:rPr lang="ko-KR" altLang="en-US" sz="3200" dirty="0">
+                <a:solidFill>
+                  <a:schemeClr val="bg1"/>
+                </a:solidFill>
+                <a:latin typeface="Noto Sans CJK KR Black" panose="020B0A00000000000000" pitchFamily="34" charset="-127"/>
+                <a:ea typeface="Noto Sans CJK KR Black" panose="020B0A00000000000000" pitchFamily="34" charset="-127"/>
+              </a:rPr>
+              <a:t>일반 선형확률과정</a:t>
+            </a:r>
+            <a:r>
+              <a:rPr lang="en-US" altLang="ko-KR" sz="3200" dirty="0">
+                <a:solidFill>
+                  <a:schemeClr val="bg1"/>
+                </a:solidFill>
+                <a:latin typeface="Noto Sans CJK KR Black" panose="020B0A00000000000000" pitchFamily="34" charset="-127"/>
+                <a:ea typeface="Noto Sans CJK KR Black" panose="020B0A00000000000000" pitchFamily="34" charset="-127"/>
+              </a:rPr>
+              <a:t>, </a:t>
+            </a:r>
+            <a:r>
+              <a:rPr lang="ko-KR" altLang="en-US" sz="3200" dirty="0">
+                <a:solidFill>
+                  <a:schemeClr val="bg1"/>
+                </a:solidFill>
+                <a:latin typeface="Noto Sans CJK KR Black" panose="020B0A00000000000000" pitchFamily="34" charset="-127"/>
+                <a:ea typeface="Noto Sans CJK KR Black" panose="020B0A00000000000000" pitchFamily="34" charset="-127"/>
+              </a:rPr>
+              <a:t>적분 선형확률과정</a:t>
+            </a:r>
+            <a:r>
+              <a:rPr lang="en-US" altLang="ko-KR" sz="3200" dirty="0">
+                <a:solidFill>
+                  <a:schemeClr val="bg1"/>
+                </a:solidFill>
+                <a:latin typeface="Noto Sans CJK KR Black" panose="020B0A00000000000000" pitchFamily="34" charset="-127"/>
+                <a:ea typeface="Noto Sans CJK KR Black" panose="020B0A00000000000000" pitchFamily="34" charset="-127"/>
+              </a:rPr>
+              <a:t>, </a:t>
+            </a:r>
+            <a:r>
+              <a:rPr lang="ko-KR" altLang="en-US" sz="3200" dirty="0">
+                <a:solidFill>
+                  <a:schemeClr val="bg1"/>
+                </a:solidFill>
+                <a:latin typeface="Noto Sans CJK KR Black" panose="020B0A00000000000000" pitchFamily="34" charset="-127"/>
+                <a:ea typeface="Noto Sans CJK KR Black" panose="020B0A00000000000000" pitchFamily="34" charset="-127"/>
+              </a:rPr>
+              <a:t>시계열 </a:t>
+            </a:r>
+            <a:r>
+              <a:rPr lang="ko-KR" altLang="en-US" sz="3200" dirty="0" err="1">
+                <a:solidFill>
+                  <a:schemeClr val="bg1"/>
+                </a:solidFill>
+                <a:latin typeface="Noto Sans CJK KR Black" panose="020B0A00000000000000" pitchFamily="34" charset="-127"/>
+                <a:ea typeface="Noto Sans CJK KR Black" panose="020B0A00000000000000" pitchFamily="34" charset="-127"/>
+              </a:rPr>
+              <a:t>분석싸이클</a:t>
+            </a:r>
+            <a:r>
+              <a:rPr lang="en-US" altLang="ko-KR" sz="3200" dirty="0">
+                <a:solidFill>
+                  <a:schemeClr val="bg1"/>
+                </a:solidFill>
+                <a:latin typeface="Noto Sans CJK KR Black" panose="020B0A00000000000000" pitchFamily="34" charset="-127"/>
+                <a:ea typeface="Noto Sans CJK KR Black" panose="020B0A00000000000000" pitchFamily="34" charset="-127"/>
+              </a:rPr>
+              <a:t>)</a:t>
+            </a:r>
+          </a:p>
+        </p:txBody>
+      </p:sp>
+      <p:sp>
+        <p:nvSpPr>
+          <p:cNvPr id="7" name="TextBox 6">
+            <a:extLst>
+              <a:ext uri="{FF2B5EF4-FFF2-40B4-BE49-F238E27FC236}">
+                <a16:creationId xmlns:a16="http://schemas.microsoft.com/office/drawing/2014/main" id="{1ED000B0-FB5D-4374-910E-B19EDB6AF664}"/>
+              </a:ext>
+            </a:extLst>
+          </p:cNvPr>
+          <p:cNvSpPr txBox="1"/>
+          <p:nvPr/>
+        </p:nvSpPr>
+        <p:spPr>
+          <a:xfrm>
+            <a:off x="4783981" y="611957"/>
+            <a:ext cx="7056784" cy="216726"/>
+          </a:xfrm>
+          <a:prstGeom prst="rect">
+            <a:avLst/>
+          </a:prstGeom>
+          <a:noFill/>
+        </p:spPr>
+        <p:txBody>
+          <a:bodyPr wrap="square" lIns="0" tIns="0" rIns="0" bIns="0" rtlCol="0" anchor="t">
+            <a:spAutoFit/>
+          </a:bodyPr>
+          <a:lstStyle/>
+          <a:p>
+            <a:pPr>
+              <a:lnSpc>
+                <a:spcPct val="150000"/>
+              </a:lnSpc>
+            </a:pPr>
+            <a:endParaRPr lang="en-US" altLang="ko-KR" sz="1050" dirty="0">
+              <a:solidFill>
+                <a:schemeClr val="bg1"/>
+              </a:solidFill>
+              <a:latin typeface="Noto Sans CJK KR Medium" panose="020B0600000000000000" pitchFamily="34" charset="-127"/>
+              <a:ea typeface="Noto Sans CJK KR Medium" panose="020B0600000000000000" pitchFamily="34" charset="-127"/>
+            </a:endParaRPr>
+          </a:p>
+        </p:txBody>
+      </p:sp>
     </p:spTree>
     <p:extLst>
       <p:ext uri="{BB962C8B-B14F-4D97-AF65-F5344CB8AC3E}">
-        <p14:creationId xmlns:p14="http://schemas.microsoft.com/office/powerpoint/2010/main" val="2877754834"/>
+        <p14:creationId xmlns:p14="http://schemas.microsoft.com/office/powerpoint/2010/main" val="3339102357"/>
       </p:ext>
     </p:extLst>
   </p:cSld>
@@ -5746,7 +6016,7 @@
         </p:spPr>
         <p:txBody>
           <a:bodyPr>
-            <a:normAutofit fontScale="90000"/>
+            <a:normAutofit/>
           </a:bodyPr>
           <a:lstStyle/>
           <a:p>
@@ -5775,32 +6045,7 @@
                 <a:latin typeface="Noto Sans CJK KR Black" pitchFamily="34" charset="-127"/>
                 <a:ea typeface="Noto Sans CJK KR Black" pitchFamily="34" charset="-127"/>
               </a:rPr>
-              <a:t>시계열 </a:t>
-            </a:r>
-            <a:br>
-              <a:rPr lang="en-US" altLang="ko-KR" sz="4400" dirty="0">
-                <a:solidFill>
-                  <a:schemeClr val="tx1">
-                    <a:lumMod val="75000"/>
-                    <a:lumOff val="25000"/>
-                  </a:schemeClr>
-                </a:solidFill>
-                <a:latin typeface="Noto Sans CJK KR Black" pitchFamily="34" charset="-127"/>
-                <a:ea typeface="Noto Sans CJK KR Black" pitchFamily="34" charset="-127"/>
-              </a:rPr>
-            </a:br>
-            <a:r>
-              <a:rPr lang="ko-KR" altLang="en-US" sz="4400" dirty="0">
-                <a:solidFill>
-                  <a:schemeClr val="tx1">
-                    <a:lumMod val="75000"/>
-                    <a:lumOff val="25000"/>
-                  </a:schemeClr>
-                </a:solidFill>
-                <a:latin typeface="Noto Sans CJK KR Black" pitchFamily="34" charset="-127"/>
-                <a:ea typeface="Noto Sans CJK KR Black" pitchFamily="34" charset="-127"/>
-              </a:rPr>
-              <a:t>알고리즘</a:t>
+              <a:t>시계열 알고리즘</a:t>
             </a:r>
             <a:endParaRPr lang="ko-KR" altLang="en-US" sz="4400" dirty="0">
               <a:solidFill>
@@ -5839,10 +6084,10 @@
       </p:sp>
       <p:pic>
         <p:nvPicPr>
-          <p:cNvPr id="2" name="그림 1">
+          <p:cNvPr id="4" name="그림 3">
             <a:extLst>
               <a:ext uri="{FF2B5EF4-FFF2-40B4-BE49-F238E27FC236}">
-                <a16:creationId xmlns:a16="http://schemas.microsoft.com/office/drawing/2014/main" id="{C5A13D97-8316-4377-A686-50846B0C9CBB}"/>
+                <a16:creationId xmlns:a16="http://schemas.microsoft.com/office/drawing/2014/main" id="{D8ED0F2A-7177-40F8-B8B7-A80916DF1AC4}"/>
               </a:ext>
             </a:extLst>
           </p:cNvPr>
@@ -5859,8 +6104,8 @@
         </p:blipFill>
         <p:spPr>
           <a:xfrm>
-            <a:off x="3991893" y="0"/>
-            <a:ext cx="7294682" cy="6840538"/>
+            <a:off x="1955800" y="1545668"/>
+            <a:ext cx="8248650" cy="5191125"/>
           </a:xfrm>
           <a:prstGeom prst="rect">
             <a:avLst/>
@@ -5870,7 +6115,7 @@
     </p:spTree>
     <p:extLst>
       <p:ext uri="{BB962C8B-B14F-4D97-AF65-F5344CB8AC3E}">
-        <p14:creationId xmlns:p14="http://schemas.microsoft.com/office/powerpoint/2010/main" val="3878497761"/>
+        <p14:creationId xmlns:p14="http://schemas.microsoft.com/office/powerpoint/2010/main" val="397703192"/>
       </p:ext>
     </p:extLst>
   </p:cSld>
@@ -5986,6 +6231,2425 @@
           <p:cNvPr id="2" name="그림 1">
             <a:extLst>
               <a:ext uri="{FF2B5EF4-FFF2-40B4-BE49-F238E27FC236}">
+                <a16:creationId xmlns:a16="http://schemas.microsoft.com/office/drawing/2014/main" id="{08676314-CC49-448D-A2FD-030F814F0DC8}"/>
+              </a:ext>
+            </a:extLst>
+          </p:cNvPr>
+          <p:cNvPicPr>
+            <a:picLocks noChangeAspect="1"/>
+          </p:cNvPicPr>
+          <p:nvPr/>
+        </p:nvPicPr>
+        <p:blipFill>
+          <a:blip r:embed="rId2"/>
+          <a:stretch>
+            <a:fillRect/>
+          </a:stretch>
+        </p:blipFill>
+        <p:spPr>
+          <a:xfrm>
+            <a:off x="1474787" y="1975496"/>
+            <a:ext cx="9210675" cy="4324350"/>
+          </a:xfrm>
+          <a:prstGeom prst="rect">
+            <a:avLst/>
+          </a:prstGeom>
+        </p:spPr>
+      </p:pic>
+    </p:spTree>
+    <p:extLst>
+      <p:ext uri="{BB962C8B-B14F-4D97-AF65-F5344CB8AC3E}">
+        <p14:creationId xmlns:p14="http://schemas.microsoft.com/office/powerpoint/2010/main" val="1574801903"/>
+      </p:ext>
+    </p:extLst>
+  </p:cSld>
+  <p:clrMapOvr>
+    <a:masterClrMapping/>
+  </p:clrMapOvr>
+</p:sld>
+</file>
+
+<file path=ppt/slides/slide22.xml><?xml version="1.0" encoding="utf-8"?>
+<p:sld xmlns:a="http://schemas.openxmlformats.org/drawingml/2006/main" xmlns:r="http://schemas.openxmlformats.org/officeDocument/2006/relationships" xmlns:p="http://schemas.openxmlformats.org/presentationml/2006/main">
+  <p:cSld>
+    <p:spTree>
+      <p:nvGrpSpPr>
+        <p:cNvPr id="1" name=""/>
+        <p:cNvGrpSpPr/>
+        <p:nvPr/>
+      </p:nvGrpSpPr>
+      <p:grpSpPr>
+        <a:xfrm>
+          <a:off x="0" y="0"/>
+          <a:ext cx="0" cy="0"/>
+          <a:chOff x="0" y="0"/>
+          <a:chExt cx="0" cy="0"/>
+        </a:xfrm>
+      </p:grpSpPr>
+      <p:sp>
+        <p:nvSpPr>
+          <p:cNvPr id="5" name="제목 4"/>
+          <p:cNvSpPr>
+            <a:spLocks noGrp="1"/>
+          </p:cNvSpPr>
+          <p:nvPr>
+            <p:ph type="title"/>
+          </p:nvPr>
+        </p:nvSpPr>
+        <p:spPr>
+          <a:xfrm>
+            <a:off x="608016" y="551987"/>
+            <a:ext cx="10944225" cy="1140090"/>
+          </a:xfrm>
+        </p:spPr>
+        <p:txBody>
+          <a:bodyPr>
+            <a:normAutofit/>
+          </a:bodyPr>
+          <a:lstStyle/>
+          <a:p>
+            <a:pPr algn="l"/>
+            <a:r>
+              <a:rPr lang="en-US" altLang="ko-KR" sz="4400" dirty="0">
+                <a:solidFill>
+                  <a:schemeClr val="tx1">
+                    <a:lumMod val="75000"/>
+                    <a:lumOff val="25000"/>
+                  </a:schemeClr>
+                </a:solidFill>
+                <a:latin typeface="Noto Sans CJK KR Black" pitchFamily="34" charset="-127"/>
+                <a:ea typeface="Noto Sans CJK KR Black" pitchFamily="34" charset="-127"/>
+              </a:rPr>
+              <a:t>2. </a:t>
+            </a:r>
+            <a:r>
+              <a:rPr lang="ko-KR" altLang="en-US" sz="4400" dirty="0">
+                <a:solidFill>
+                  <a:schemeClr val="tx1">
+                    <a:lumMod val="75000"/>
+                    <a:lumOff val="25000"/>
+                  </a:schemeClr>
+                </a:solidFill>
+                <a:latin typeface="Noto Sans CJK KR Black" pitchFamily="34" charset="-127"/>
+                <a:ea typeface="Noto Sans CJK KR Black" pitchFamily="34" charset="-127"/>
+              </a:rPr>
+              <a:t>시계열 알고리즘</a:t>
+            </a:r>
+            <a:endParaRPr lang="ko-KR" altLang="en-US" sz="4400" dirty="0">
+              <a:solidFill>
+                <a:schemeClr val="tx1">
+                  <a:lumMod val="75000"/>
+                  <a:lumOff val="25000"/>
+                </a:schemeClr>
+              </a:solidFill>
+            </a:endParaRPr>
+          </a:p>
+        </p:txBody>
+      </p:sp>
+      <p:sp>
+        <p:nvSpPr>
+          <p:cNvPr id="3" name="슬라이드 번호 개체 틀 2"/>
+          <p:cNvSpPr>
+            <a:spLocks noGrp="1"/>
+          </p:cNvSpPr>
+          <p:nvPr>
+            <p:ph type="sldNum" sz="quarter" idx="12"/>
+          </p:nvPr>
+        </p:nvSpPr>
+        <p:spPr/>
+        <p:txBody>
+          <a:bodyPr/>
+          <a:lstStyle/>
+          <a:p>
+            <a:fld id="{6DDAE2C3-1A0B-474A-8CE8-AE55B8D9D4B1}" type="slidenum">
+              <a:rPr lang="ko-KR" altLang="en-US" smtClean="0"/>
+              <a:pPr/>
+              <a:t>22</a:t>
+            </a:fld>
+            <a:endParaRPr lang="ko-KR" altLang="en-US" dirty="0"/>
+          </a:p>
+        </p:txBody>
+      </p:sp>
+      <p:pic>
+        <p:nvPicPr>
+          <p:cNvPr id="2" name="그림 1">
+            <a:extLst>
+              <a:ext uri="{FF2B5EF4-FFF2-40B4-BE49-F238E27FC236}">
+                <a16:creationId xmlns:a16="http://schemas.microsoft.com/office/drawing/2014/main" id="{5CC46832-AFB1-4799-BCD3-24C42AFB71CD}"/>
+              </a:ext>
+            </a:extLst>
+          </p:cNvPr>
+          <p:cNvPicPr>
+            <a:picLocks noChangeAspect="1"/>
+          </p:cNvPicPr>
+          <p:nvPr/>
+        </p:nvPicPr>
+        <p:blipFill>
+          <a:blip r:embed="rId2"/>
+          <a:stretch>
+            <a:fillRect/>
+          </a:stretch>
+        </p:blipFill>
+        <p:spPr>
+          <a:xfrm>
+            <a:off x="1627187" y="2124125"/>
+            <a:ext cx="8905875" cy="3448050"/>
+          </a:xfrm>
+          <a:prstGeom prst="rect">
+            <a:avLst/>
+          </a:prstGeom>
+        </p:spPr>
+      </p:pic>
+    </p:spTree>
+    <p:extLst>
+      <p:ext uri="{BB962C8B-B14F-4D97-AF65-F5344CB8AC3E}">
+        <p14:creationId xmlns:p14="http://schemas.microsoft.com/office/powerpoint/2010/main" val="283221814"/>
+      </p:ext>
+    </p:extLst>
+  </p:cSld>
+  <p:clrMapOvr>
+    <a:masterClrMapping/>
+  </p:clrMapOvr>
+</p:sld>
+</file>
+
+<file path=ppt/slides/slide23.xml><?xml version="1.0" encoding="utf-8"?>
+<p:sld xmlns:a="http://schemas.openxmlformats.org/drawingml/2006/main" xmlns:r="http://schemas.openxmlformats.org/officeDocument/2006/relationships" xmlns:p="http://schemas.openxmlformats.org/presentationml/2006/main">
+  <p:cSld>
+    <p:spTree>
+      <p:nvGrpSpPr>
+        <p:cNvPr id="1" name=""/>
+        <p:cNvGrpSpPr/>
+        <p:nvPr/>
+      </p:nvGrpSpPr>
+      <p:grpSpPr>
+        <a:xfrm>
+          <a:off x="0" y="0"/>
+          <a:ext cx="0" cy="0"/>
+          <a:chOff x="0" y="0"/>
+          <a:chExt cx="0" cy="0"/>
+        </a:xfrm>
+      </p:grpSpPr>
+      <p:sp>
+        <p:nvSpPr>
+          <p:cNvPr id="5" name="제목 4"/>
+          <p:cNvSpPr>
+            <a:spLocks noGrp="1"/>
+          </p:cNvSpPr>
+          <p:nvPr>
+            <p:ph type="title"/>
+          </p:nvPr>
+        </p:nvSpPr>
+        <p:spPr>
+          <a:xfrm>
+            <a:off x="608016" y="551987"/>
+            <a:ext cx="10944225" cy="1140090"/>
+          </a:xfrm>
+        </p:spPr>
+        <p:txBody>
+          <a:bodyPr>
+            <a:normAutofit/>
+          </a:bodyPr>
+          <a:lstStyle/>
+          <a:p>
+            <a:pPr algn="l"/>
+            <a:r>
+              <a:rPr lang="en-US" altLang="ko-KR" sz="4400" dirty="0">
+                <a:solidFill>
+                  <a:schemeClr val="tx1">
+                    <a:lumMod val="75000"/>
+                    <a:lumOff val="25000"/>
+                  </a:schemeClr>
+                </a:solidFill>
+                <a:latin typeface="Noto Sans CJK KR Black" pitchFamily="34" charset="-127"/>
+                <a:ea typeface="Noto Sans CJK KR Black" pitchFamily="34" charset="-127"/>
+              </a:rPr>
+              <a:t>2. </a:t>
+            </a:r>
+            <a:r>
+              <a:rPr lang="ko-KR" altLang="en-US" sz="4400" dirty="0">
+                <a:solidFill>
+                  <a:schemeClr val="tx1">
+                    <a:lumMod val="75000"/>
+                    <a:lumOff val="25000"/>
+                  </a:schemeClr>
+                </a:solidFill>
+                <a:latin typeface="Noto Sans CJK KR Black" pitchFamily="34" charset="-127"/>
+                <a:ea typeface="Noto Sans CJK KR Black" pitchFamily="34" charset="-127"/>
+              </a:rPr>
+              <a:t>시계열 알고리즘</a:t>
+            </a:r>
+            <a:endParaRPr lang="ko-KR" altLang="en-US" sz="4400" dirty="0">
+              <a:solidFill>
+                <a:schemeClr val="tx1">
+                  <a:lumMod val="75000"/>
+                  <a:lumOff val="25000"/>
+                </a:schemeClr>
+              </a:solidFill>
+            </a:endParaRPr>
+          </a:p>
+        </p:txBody>
+      </p:sp>
+      <p:sp>
+        <p:nvSpPr>
+          <p:cNvPr id="3" name="슬라이드 번호 개체 틀 2"/>
+          <p:cNvSpPr>
+            <a:spLocks noGrp="1"/>
+          </p:cNvSpPr>
+          <p:nvPr>
+            <p:ph type="sldNum" sz="quarter" idx="12"/>
+          </p:nvPr>
+        </p:nvSpPr>
+        <p:spPr/>
+        <p:txBody>
+          <a:bodyPr/>
+          <a:lstStyle/>
+          <a:p>
+            <a:fld id="{6DDAE2C3-1A0B-474A-8CE8-AE55B8D9D4B1}" type="slidenum">
+              <a:rPr lang="ko-KR" altLang="en-US" smtClean="0"/>
+              <a:pPr/>
+              <a:t>23</a:t>
+            </a:fld>
+            <a:endParaRPr lang="ko-KR" altLang="en-US" dirty="0"/>
+          </a:p>
+        </p:txBody>
+      </p:sp>
+      <p:pic>
+        <p:nvPicPr>
+          <p:cNvPr id="2" name="그림 1">
+            <a:extLst>
+              <a:ext uri="{FF2B5EF4-FFF2-40B4-BE49-F238E27FC236}">
+                <a16:creationId xmlns:a16="http://schemas.microsoft.com/office/drawing/2014/main" id="{87D39FCD-94C8-4B24-80A3-3CC63A7774DD}"/>
+              </a:ext>
+            </a:extLst>
+          </p:cNvPr>
+          <p:cNvPicPr>
+            <a:picLocks noChangeAspect="1"/>
+          </p:cNvPicPr>
+          <p:nvPr/>
+        </p:nvPicPr>
+        <p:blipFill>
+          <a:blip r:embed="rId2"/>
+          <a:stretch>
+            <a:fillRect/>
+          </a:stretch>
+        </p:blipFill>
+        <p:spPr>
+          <a:xfrm>
+            <a:off x="1893887" y="1692077"/>
+            <a:ext cx="8372475" cy="4733925"/>
+          </a:xfrm>
+          <a:prstGeom prst="rect">
+            <a:avLst/>
+          </a:prstGeom>
+        </p:spPr>
+      </p:pic>
+    </p:spTree>
+    <p:extLst>
+      <p:ext uri="{BB962C8B-B14F-4D97-AF65-F5344CB8AC3E}">
+        <p14:creationId xmlns:p14="http://schemas.microsoft.com/office/powerpoint/2010/main" val="4031268737"/>
+      </p:ext>
+    </p:extLst>
+  </p:cSld>
+  <p:clrMapOvr>
+    <a:masterClrMapping/>
+  </p:clrMapOvr>
+</p:sld>
+</file>
+
+<file path=ppt/slides/slide24.xml><?xml version="1.0" encoding="utf-8"?>
+<p:sld xmlns:a="http://schemas.openxmlformats.org/drawingml/2006/main" xmlns:r="http://schemas.openxmlformats.org/officeDocument/2006/relationships" xmlns:p="http://schemas.openxmlformats.org/presentationml/2006/main">
+  <p:cSld>
+    <p:spTree>
+      <p:nvGrpSpPr>
+        <p:cNvPr id="1" name=""/>
+        <p:cNvGrpSpPr/>
+        <p:nvPr/>
+      </p:nvGrpSpPr>
+      <p:grpSpPr>
+        <a:xfrm>
+          <a:off x="0" y="0"/>
+          <a:ext cx="0" cy="0"/>
+          <a:chOff x="0" y="0"/>
+          <a:chExt cx="0" cy="0"/>
+        </a:xfrm>
+      </p:grpSpPr>
+      <p:sp>
+        <p:nvSpPr>
+          <p:cNvPr id="5" name="제목 4"/>
+          <p:cNvSpPr>
+            <a:spLocks noGrp="1"/>
+          </p:cNvSpPr>
+          <p:nvPr>
+            <p:ph type="title"/>
+          </p:nvPr>
+        </p:nvSpPr>
+        <p:spPr>
+          <a:xfrm>
+            <a:off x="608016" y="551987"/>
+            <a:ext cx="10944225" cy="1140090"/>
+          </a:xfrm>
+        </p:spPr>
+        <p:txBody>
+          <a:bodyPr>
+            <a:normAutofit/>
+          </a:bodyPr>
+          <a:lstStyle/>
+          <a:p>
+            <a:pPr algn="l"/>
+            <a:r>
+              <a:rPr lang="en-US" altLang="ko-KR" sz="4400" dirty="0">
+                <a:solidFill>
+                  <a:schemeClr val="tx1">
+                    <a:lumMod val="75000"/>
+                    <a:lumOff val="25000"/>
+                  </a:schemeClr>
+                </a:solidFill>
+                <a:latin typeface="Noto Sans CJK KR Black" pitchFamily="34" charset="-127"/>
+                <a:ea typeface="Noto Sans CJK KR Black" pitchFamily="34" charset="-127"/>
+              </a:rPr>
+              <a:t>2. </a:t>
+            </a:r>
+            <a:r>
+              <a:rPr lang="ko-KR" altLang="en-US" sz="4400" dirty="0">
+                <a:solidFill>
+                  <a:schemeClr val="tx1">
+                    <a:lumMod val="75000"/>
+                    <a:lumOff val="25000"/>
+                  </a:schemeClr>
+                </a:solidFill>
+                <a:latin typeface="Noto Sans CJK KR Black" pitchFamily="34" charset="-127"/>
+                <a:ea typeface="Noto Sans CJK KR Black" pitchFamily="34" charset="-127"/>
+              </a:rPr>
+              <a:t>시계열 알고리즘</a:t>
+            </a:r>
+            <a:endParaRPr lang="ko-KR" altLang="en-US" sz="4400" dirty="0">
+              <a:solidFill>
+                <a:schemeClr val="tx1">
+                  <a:lumMod val="75000"/>
+                  <a:lumOff val="25000"/>
+                </a:schemeClr>
+              </a:solidFill>
+            </a:endParaRPr>
+          </a:p>
+        </p:txBody>
+      </p:sp>
+      <p:sp>
+        <p:nvSpPr>
+          <p:cNvPr id="3" name="슬라이드 번호 개체 틀 2"/>
+          <p:cNvSpPr>
+            <a:spLocks noGrp="1"/>
+          </p:cNvSpPr>
+          <p:nvPr>
+            <p:ph type="sldNum" sz="quarter" idx="12"/>
+          </p:nvPr>
+        </p:nvSpPr>
+        <p:spPr/>
+        <p:txBody>
+          <a:bodyPr/>
+          <a:lstStyle/>
+          <a:p>
+            <a:fld id="{6DDAE2C3-1A0B-474A-8CE8-AE55B8D9D4B1}" type="slidenum">
+              <a:rPr lang="ko-KR" altLang="en-US" smtClean="0"/>
+              <a:pPr/>
+              <a:t>24</a:t>
+            </a:fld>
+            <a:endParaRPr lang="ko-KR" altLang="en-US" dirty="0"/>
+          </a:p>
+        </p:txBody>
+      </p:sp>
+      <p:pic>
+        <p:nvPicPr>
+          <p:cNvPr id="2" name="그림 1">
+            <a:extLst>
+              <a:ext uri="{FF2B5EF4-FFF2-40B4-BE49-F238E27FC236}">
+                <a16:creationId xmlns:a16="http://schemas.microsoft.com/office/drawing/2014/main" id="{052BAC70-1FB4-456A-8C07-D186B27780D7}"/>
+              </a:ext>
+            </a:extLst>
+          </p:cNvPr>
+          <p:cNvPicPr>
+            <a:picLocks noChangeAspect="1"/>
+          </p:cNvPicPr>
+          <p:nvPr/>
+        </p:nvPicPr>
+        <p:blipFill>
+          <a:blip r:embed="rId2"/>
+          <a:stretch>
+            <a:fillRect/>
+          </a:stretch>
+        </p:blipFill>
+        <p:spPr>
+          <a:xfrm>
+            <a:off x="1722437" y="1935626"/>
+            <a:ext cx="8715375" cy="4352925"/>
+          </a:xfrm>
+          <a:prstGeom prst="rect">
+            <a:avLst/>
+          </a:prstGeom>
+        </p:spPr>
+      </p:pic>
+    </p:spTree>
+    <p:extLst>
+      <p:ext uri="{BB962C8B-B14F-4D97-AF65-F5344CB8AC3E}">
+        <p14:creationId xmlns:p14="http://schemas.microsoft.com/office/powerpoint/2010/main" val="330327131"/>
+      </p:ext>
+    </p:extLst>
+  </p:cSld>
+  <p:clrMapOvr>
+    <a:masterClrMapping/>
+  </p:clrMapOvr>
+</p:sld>
+</file>
+
+<file path=ppt/slides/slide25.xml><?xml version="1.0" encoding="utf-8"?>
+<p:sld xmlns:a="http://schemas.openxmlformats.org/drawingml/2006/main" xmlns:r="http://schemas.openxmlformats.org/officeDocument/2006/relationships" xmlns:p="http://schemas.openxmlformats.org/presentationml/2006/main">
+  <p:cSld>
+    <p:spTree>
+      <p:nvGrpSpPr>
+        <p:cNvPr id="1" name=""/>
+        <p:cNvGrpSpPr/>
+        <p:nvPr/>
+      </p:nvGrpSpPr>
+      <p:grpSpPr>
+        <a:xfrm>
+          <a:off x="0" y="0"/>
+          <a:ext cx="0" cy="0"/>
+          <a:chOff x="0" y="0"/>
+          <a:chExt cx="0" cy="0"/>
+        </a:xfrm>
+      </p:grpSpPr>
+      <p:sp>
+        <p:nvSpPr>
+          <p:cNvPr id="5" name="제목 4"/>
+          <p:cNvSpPr>
+            <a:spLocks noGrp="1"/>
+          </p:cNvSpPr>
+          <p:nvPr>
+            <p:ph type="title"/>
+          </p:nvPr>
+        </p:nvSpPr>
+        <p:spPr>
+          <a:xfrm>
+            <a:off x="608016" y="551987"/>
+            <a:ext cx="10944225" cy="1140090"/>
+          </a:xfrm>
+        </p:spPr>
+        <p:txBody>
+          <a:bodyPr>
+            <a:normAutofit/>
+          </a:bodyPr>
+          <a:lstStyle/>
+          <a:p>
+            <a:pPr algn="l"/>
+            <a:r>
+              <a:rPr lang="en-US" altLang="ko-KR" sz="4400" dirty="0">
+                <a:solidFill>
+                  <a:schemeClr val="tx1">
+                    <a:lumMod val="75000"/>
+                    <a:lumOff val="25000"/>
+                  </a:schemeClr>
+                </a:solidFill>
+                <a:latin typeface="Noto Sans CJK KR Black" pitchFamily="34" charset="-127"/>
+                <a:ea typeface="Noto Sans CJK KR Black" pitchFamily="34" charset="-127"/>
+              </a:rPr>
+              <a:t>2. </a:t>
+            </a:r>
+            <a:r>
+              <a:rPr lang="ko-KR" altLang="en-US" sz="4400" dirty="0">
+                <a:solidFill>
+                  <a:schemeClr val="tx1">
+                    <a:lumMod val="75000"/>
+                    <a:lumOff val="25000"/>
+                  </a:schemeClr>
+                </a:solidFill>
+                <a:latin typeface="Noto Sans CJK KR Black" pitchFamily="34" charset="-127"/>
+                <a:ea typeface="Noto Sans CJK KR Black" pitchFamily="34" charset="-127"/>
+              </a:rPr>
+              <a:t>시계열 알고리즘</a:t>
+            </a:r>
+            <a:endParaRPr lang="ko-KR" altLang="en-US" sz="4400" dirty="0">
+              <a:solidFill>
+                <a:schemeClr val="tx1">
+                  <a:lumMod val="75000"/>
+                  <a:lumOff val="25000"/>
+                </a:schemeClr>
+              </a:solidFill>
+            </a:endParaRPr>
+          </a:p>
+        </p:txBody>
+      </p:sp>
+      <p:sp>
+        <p:nvSpPr>
+          <p:cNvPr id="3" name="슬라이드 번호 개체 틀 2"/>
+          <p:cNvSpPr>
+            <a:spLocks noGrp="1"/>
+          </p:cNvSpPr>
+          <p:nvPr>
+            <p:ph type="sldNum" sz="quarter" idx="12"/>
+          </p:nvPr>
+        </p:nvSpPr>
+        <p:spPr/>
+        <p:txBody>
+          <a:bodyPr/>
+          <a:lstStyle/>
+          <a:p>
+            <a:fld id="{6DDAE2C3-1A0B-474A-8CE8-AE55B8D9D4B1}" type="slidenum">
+              <a:rPr lang="ko-KR" altLang="en-US" smtClean="0"/>
+              <a:pPr/>
+              <a:t>25</a:t>
+            </a:fld>
+            <a:endParaRPr lang="ko-KR" altLang="en-US" dirty="0"/>
+          </a:p>
+        </p:txBody>
+      </p:sp>
+      <p:pic>
+        <p:nvPicPr>
+          <p:cNvPr id="4" name="그림 3">
+            <a:extLst>
+              <a:ext uri="{FF2B5EF4-FFF2-40B4-BE49-F238E27FC236}">
+                <a16:creationId xmlns:a16="http://schemas.microsoft.com/office/drawing/2014/main" id="{3C90F62D-AA9E-4425-92BA-798591DD6729}"/>
+              </a:ext>
+            </a:extLst>
+          </p:cNvPr>
+          <p:cNvPicPr>
+            <a:picLocks noChangeAspect="1"/>
+          </p:cNvPicPr>
+          <p:nvPr/>
+        </p:nvPicPr>
+        <p:blipFill>
+          <a:blip r:embed="rId2"/>
+          <a:stretch>
+            <a:fillRect/>
+          </a:stretch>
+        </p:blipFill>
+        <p:spPr>
+          <a:xfrm>
+            <a:off x="2022475" y="1922964"/>
+            <a:ext cx="8115300" cy="4391025"/>
+          </a:xfrm>
+          <a:prstGeom prst="rect">
+            <a:avLst/>
+          </a:prstGeom>
+        </p:spPr>
+      </p:pic>
+    </p:spTree>
+    <p:extLst>
+      <p:ext uri="{BB962C8B-B14F-4D97-AF65-F5344CB8AC3E}">
+        <p14:creationId xmlns:p14="http://schemas.microsoft.com/office/powerpoint/2010/main" val="2495167973"/>
+      </p:ext>
+    </p:extLst>
+  </p:cSld>
+  <p:clrMapOvr>
+    <a:masterClrMapping/>
+  </p:clrMapOvr>
+</p:sld>
+</file>
+
+<file path=ppt/slides/slide26.xml><?xml version="1.0" encoding="utf-8"?>
+<p:sld xmlns:a="http://schemas.openxmlformats.org/drawingml/2006/main" xmlns:r="http://schemas.openxmlformats.org/officeDocument/2006/relationships" xmlns:p="http://schemas.openxmlformats.org/presentationml/2006/main">
+  <p:cSld>
+    <p:spTree>
+      <p:nvGrpSpPr>
+        <p:cNvPr id="1" name=""/>
+        <p:cNvGrpSpPr/>
+        <p:nvPr/>
+      </p:nvGrpSpPr>
+      <p:grpSpPr>
+        <a:xfrm>
+          <a:off x="0" y="0"/>
+          <a:ext cx="0" cy="0"/>
+          <a:chOff x="0" y="0"/>
+          <a:chExt cx="0" cy="0"/>
+        </a:xfrm>
+      </p:grpSpPr>
+      <p:sp>
+        <p:nvSpPr>
+          <p:cNvPr id="5" name="제목 4"/>
+          <p:cNvSpPr>
+            <a:spLocks noGrp="1"/>
+          </p:cNvSpPr>
+          <p:nvPr>
+            <p:ph type="title"/>
+          </p:nvPr>
+        </p:nvSpPr>
+        <p:spPr>
+          <a:xfrm>
+            <a:off x="608016" y="551987"/>
+            <a:ext cx="10944225" cy="1140090"/>
+          </a:xfrm>
+        </p:spPr>
+        <p:txBody>
+          <a:bodyPr>
+            <a:normAutofit/>
+          </a:bodyPr>
+          <a:lstStyle/>
+          <a:p>
+            <a:pPr algn="l"/>
+            <a:r>
+              <a:rPr lang="en-US" altLang="ko-KR" sz="4400" dirty="0">
+                <a:solidFill>
+                  <a:schemeClr val="tx1">
+                    <a:lumMod val="75000"/>
+                    <a:lumOff val="25000"/>
+                  </a:schemeClr>
+                </a:solidFill>
+                <a:latin typeface="Noto Sans CJK KR Black" pitchFamily="34" charset="-127"/>
+                <a:ea typeface="Noto Sans CJK KR Black" pitchFamily="34" charset="-127"/>
+              </a:rPr>
+              <a:t>2. </a:t>
+            </a:r>
+            <a:r>
+              <a:rPr lang="ko-KR" altLang="en-US" sz="4400" dirty="0">
+                <a:solidFill>
+                  <a:schemeClr val="tx1">
+                    <a:lumMod val="75000"/>
+                    <a:lumOff val="25000"/>
+                  </a:schemeClr>
+                </a:solidFill>
+                <a:latin typeface="Noto Sans CJK KR Black" pitchFamily="34" charset="-127"/>
+                <a:ea typeface="Noto Sans CJK KR Black" pitchFamily="34" charset="-127"/>
+              </a:rPr>
+              <a:t>시계열 알고리즘</a:t>
+            </a:r>
+            <a:endParaRPr lang="ko-KR" altLang="en-US" sz="4400" dirty="0">
+              <a:solidFill>
+                <a:schemeClr val="tx1">
+                  <a:lumMod val="75000"/>
+                  <a:lumOff val="25000"/>
+                </a:schemeClr>
+              </a:solidFill>
+            </a:endParaRPr>
+          </a:p>
+        </p:txBody>
+      </p:sp>
+      <p:sp>
+        <p:nvSpPr>
+          <p:cNvPr id="3" name="슬라이드 번호 개체 틀 2"/>
+          <p:cNvSpPr>
+            <a:spLocks noGrp="1"/>
+          </p:cNvSpPr>
+          <p:nvPr>
+            <p:ph type="sldNum" sz="quarter" idx="12"/>
+          </p:nvPr>
+        </p:nvSpPr>
+        <p:spPr/>
+        <p:txBody>
+          <a:bodyPr/>
+          <a:lstStyle/>
+          <a:p>
+            <a:fld id="{6DDAE2C3-1A0B-474A-8CE8-AE55B8D9D4B1}" type="slidenum">
+              <a:rPr lang="ko-KR" altLang="en-US" smtClean="0"/>
+              <a:pPr/>
+              <a:t>26</a:t>
+            </a:fld>
+            <a:endParaRPr lang="ko-KR" altLang="en-US" dirty="0"/>
+          </a:p>
+        </p:txBody>
+      </p:sp>
+      <p:pic>
+        <p:nvPicPr>
+          <p:cNvPr id="2" name="그림 1">
+            <a:extLst>
+              <a:ext uri="{FF2B5EF4-FFF2-40B4-BE49-F238E27FC236}">
+                <a16:creationId xmlns:a16="http://schemas.microsoft.com/office/drawing/2014/main" id="{AA295CA9-2E58-47A3-8568-74F5B573365E}"/>
+              </a:ext>
+            </a:extLst>
+          </p:cNvPr>
+          <p:cNvPicPr>
+            <a:picLocks noChangeAspect="1"/>
+          </p:cNvPicPr>
+          <p:nvPr/>
+        </p:nvPicPr>
+        <p:blipFill>
+          <a:blip r:embed="rId2"/>
+          <a:stretch>
+            <a:fillRect/>
+          </a:stretch>
+        </p:blipFill>
+        <p:spPr>
+          <a:xfrm>
+            <a:off x="2265362" y="1544545"/>
+            <a:ext cx="7629525" cy="5010150"/>
+          </a:xfrm>
+          <a:prstGeom prst="rect">
+            <a:avLst/>
+          </a:prstGeom>
+        </p:spPr>
+      </p:pic>
+    </p:spTree>
+    <p:extLst>
+      <p:ext uri="{BB962C8B-B14F-4D97-AF65-F5344CB8AC3E}">
+        <p14:creationId xmlns:p14="http://schemas.microsoft.com/office/powerpoint/2010/main" val="1765806923"/>
+      </p:ext>
+    </p:extLst>
+  </p:cSld>
+  <p:clrMapOvr>
+    <a:masterClrMapping/>
+  </p:clrMapOvr>
+</p:sld>
+</file>
+
+<file path=ppt/slides/slide27.xml><?xml version="1.0" encoding="utf-8"?>
+<p:sld xmlns:a="http://schemas.openxmlformats.org/drawingml/2006/main" xmlns:r="http://schemas.openxmlformats.org/officeDocument/2006/relationships" xmlns:p="http://schemas.openxmlformats.org/presentationml/2006/main">
+  <p:cSld>
+    <p:spTree>
+      <p:nvGrpSpPr>
+        <p:cNvPr id="1" name=""/>
+        <p:cNvGrpSpPr/>
+        <p:nvPr/>
+      </p:nvGrpSpPr>
+      <p:grpSpPr>
+        <a:xfrm>
+          <a:off x="0" y="0"/>
+          <a:ext cx="0" cy="0"/>
+          <a:chOff x="0" y="0"/>
+          <a:chExt cx="0" cy="0"/>
+        </a:xfrm>
+      </p:grpSpPr>
+      <p:sp>
+        <p:nvSpPr>
+          <p:cNvPr id="5" name="제목 4"/>
+          <p:cNvSpPr>
+            <a:spLocks noGrp="1"/>
+          </p:cNvSpPr>
+          <p:nvPr>
+            <p:ph type="title"/>
+          </p:nvPr>
+        </p:nvSpPr>
+        <p:spPr>
+          <a:xfrm>
+            <a:off x="608016" y="551987"/>
+            <a:ext cx="10944225" cy="1140090"/>
+          </a:xfrm>
+        </p:spPr>
+        <p:txBody>
+          <a:bodyPr>
+            <a:normAutofit fontScale="90000"/>
+          </a:bodyPr>
+          <a:lstStyle/>
+          <a:p>
+            <a:pPr algn="l"/>
+            <a:r>
+              <a:rPr lang="en-US" altLang="ko-KR" sz="4400" dirty="0">
+                <a:solidFill>
+                  <a:schemeClr val="tx1">
+                    <a:lumMod val="75000"/>
+                    <a:lumOff val="25000"/>
+                  </a:schemeClr>
+                </a:solidFill>
+                <a:latin typeface="Noto Sans CJK KR Black" pitchFamily="34" charset="-127"/>
+                <a:ea typeface="Noto Sans CJK KR Black" pitchFamily="34" charset="-127"/>
+              </a:rPr>
+              <a:t>2. </a:t>
+            </a:r>
+            <a:r>
+              <a:rPr lang="ko-KR" altLang="en-US" sz="4400" dirty="0">
+                <a:solidFill>
+                  <a:schemeClr val="tx1">
+                    <a:lumMod val="75000"/>
+                    <a:lumOff val="25000"/>
+                  </a:schemeClr>
+                </a:solidFill>
+                <a:latin typeface="Noto Sans CJK KR Black" pitchFamily="34" charset="-127"/>
+                <a:ea typeface="Noto Sans CJK KR Black" pitchFamily="34" charset="-127"/>
+              </a:rPr>
+              <a:t>시계열</a:t>
+            </a:r>
+            <a:br>
+              <a:rPr lang="en-US" altLang="ko-KR" sz="4400" dirty="0">
+                <a:solidFill>
+                  <a:schemeClr val="tx1">
+                    <a:lumMod val="75000"/>
+                    <a:lumOff val="25000"/>
+                  </a:schemeClr>
+                </a:solidFill>
+                <a:latin typeface="Noto Sans CJK KR Black" pitchFamily="34" charset="-127"/>
+                <a:ea typeface="Noto Sans CJK KR Black" pitchFamily="34" charset="-127"/>
+              </a:rPr>
+            </a:br>
+            <a:r>
+              <a:rPr lang="ko-KR" altLang="en-US" sz="4400" dirty="0">
+                <a:solidFill>
+                  <a:schemeClr val="tx1">
+                    <a:lumMod val="75000"/>
+                    <a:lumOff val="25000"/>
+                  </a:schemeClr>
+                </a:solidFill>
+                <a:latin typeface="Noto Sans CJK KR Black" pitchFamily="34" charset="-127"/>
+                <a:ea typeface="Noto Sans CJK KR Black" pitchFamily="34" charset="-127"/>
+              </a:rPr>
+              <a:t> 알고리즘</a:t>
+            </a:r>
+            <a:endParaRPr lang="ko-KR" altLang="en-US" sz="4400" dirty="0">
+              <a:solidFill>
+                <a:schemeClr val="tx1">
+                  <a:lumMod val="75000"/>
+                  <a:lumOff val="25000"/>
+                </a:schemeClr>
+              </a:solidFill>
+            </a:endParaRPr>
+          </a:p>
+        </p:txBody>
+      </p:sp>
+      <p:sp>
+        <p:nvSpPr>
+          <p:cNvPr id="3" name="슬라이드 번호 개체 틀 2"/>
+          <p:cNvSpPr>
+            <a:spLocks noGrp="1"/>
+          </p:cNvSpPr>
+          <p:nvPr>
+            <p:ph type="sldNum" sz="quarter" idx="12"/>
+          </p:nvPr>
+        </p:nvSpPr>
+        <p:spPr/>
+        <p:txBody>
+          <a:bodyPr/>
+          <a:lstStyle/>
+          <a:p>
+            <a:fld id="{6DDAE2C3-1A0B-474A-8CE8-AE55B8D9D4B1}" type="slidenum">
+              <a:rPr lang="ko-KR" altLang="en-US" smtClean="0"/>
+              <a:pPr/>
+              <a:t>27</a:t>
+            </a:fld>
+            <a:endParaRPr lang="ko-KR" altLang="en-US" dirty="0"/>
+          </a:p>
+        </p:txBody>
+      </p:sp>
+      <p:pic>
+        <p:nvPicPr>
+          <p:cNvPr id="2" name="그림 1">
+            <a:extLst>
+              <a:ext uri="{FF2B5EF4-FFF2-40B4-BE49-F238E27FC236}">
+                <a16:creationId xmlns:a16="http://schemas.microsoft.com/office/drawing/2014/main" id="{03484797-8DD9-40EE-A361-8007536FD597}"/>
+              </a:ext>
+            </a:extLst>
+          </p:cNvPr>
+          <p:cNvPicPr>
+            <a:picLocks noChangeAspect="1"/>
+          </p:cNvPicPr>
+          <p:nvPr/>
+        </p:nvPicPr>
+        <p:blipFill>
+          <a:blip r:embed="rId2"/>
+          <a:stretch>
+            <a:fillRect/>
+          </a:stretch>
+        </p:blipFill>
+        <p:spPr>
+          <a:xfrm>
+            <a:off x="3489661" y="250268"/>
+            <a:ext cx="8086725" cy="6486525"/>
+          </a:xfrm>
+          <a:prstGeom prst="rect">
+            <a:avLst/>
+          </a:prstGeom>
+        </p:spPr>
+      </p:pic>
+    </p:spTree>
+    <p:extLst>
+      <p:ext uri="{BB962C8B-B14F-4D97-AF65-F5344CB8AC3E}">
+        <p14:creationId xmlns:p14="http://schemas.microsoft.com/office/powerpoint/2010/main" val="289151988"/>
+      </p:ext>
+    </p:extLst>
+  </p:cSld>
+  <p:clrMapOvr>
+    <a:masterClrMapping/>
+  </p:clrMapOvr>
+</p:sld>
+</file>
+
+<file path=ppt/slides/slide28.xml><?xml version="1.0" encoding="utf-8"?>
+<p:sld xmlns:a="http://schemas.openxmlformats.org/drawingml/2006/main" xmlns:r="http://schemas.openxmlformats.org/officeDocument/2006/relationships" xmlns:p="http://schemas.openxmlformats.org/presentationml/2006/main">
+  <p:cSld>
+    <p:spTree>
+      <p:nvGrpSpPr>
+        <p:cNvPr id="1" name=""/>
+        <p:cNvGrpSpPr/>
+        <p:nvPr/>
+      </p:nvGrpSpPr>
+      <p:grpSpPr>
+        <a:xfrm>
+          <a:off x="0" y="0"/>
+          <a:ext cx="0" cy="0"/>
+          <a:chOff x="0" y="0"/>
+          <a:chExt cx="0" cy="0"/>
+        </a:xfrm>
+      </p:grpSpPr>
+      <p:sp>
+        <p:nvSpPr>
+          <p:cNvPr id="5" name="제목 4"/>
+          <p:cNvSpPr>
+            <a:spLocks noGrp="1"/>
+          </p:cNvSpPr>
+          <p:nvPr>
+            <p:ph type="title"/>
+          </p:nvPr>
+        </p:nvSpPr>
+        <p:spPr>
+          <a:xfrm>
+            <a:off x="608016" y="551987"/>
+            <a:ext cx="10944225" cy="1140090"/>
+          </a:xfrm>
+        </p:spPr>
+        <p:txBody>
+          <a:bodyPr>
+            <a:normAutofit fontScale="90000"/>
+          </a:bodyPr>
+          <a:lstStyle/>
+          <a:p>
+            <a:pPr algn="l"/>
+            <a:r>
+              <a:rPr lang="en-US" altLang="ko-KR" sz="4400" dirty="0">
+                <a:solidFill>
+                  <a:schemeClr val="tx1">
+                    <a:lumMod val="75000"/>
+                    <a:lumOff val="25000"/>
+                  </a:schemeClr>
+                </a:solidFill>
+                <a:latin typeface="Noto Sans CJK KR Black" pitchFamily="34" charset="-127"/>
+                <a:ea typeface="Noto Sans CJK KR Black" pitchFamily="34" charset="-127"/>
+              </a:rPr>
+              <a:t>2. </a:t>
+            </a:r>
+            <a:r>
+              <a:rPr lang="ko-KR" altLang="en-US" sz="4400" dirty="0">
+                <a:solidFill>
+                  <a:schemeClr val="tx1">
+                    <a:lumMod val="75000"/>
+                    <a:lumOff val="25000"/>
+                  </a:schemeClr>
+                </a:solidFill>
+                <a:latin typeface="Noto Sans CJK KR Black" pitchFamily="34" charset="-127"/>
+                <a:ea typeface="Noto Sans CJK KR Black" pitchFamily="34" charset="-127"/>
+              </a:rPr>
+              <a:t>시계열</a:t>
+            </a:r>
+            <a:br>
+              <a:rPr lang="en-US" altLang="ko-KR" sz="4400" dirty="0">
+                <a:solidFill>
+                  <a:schemeClr val="tx1">
+                    <a:lumMod val="75000"/>
+                    <a:lumOff val="25000"/>
+                  </a:schemeClr>
+                </a:solidFill>
+                <a:latin typeface="Noto Sans CJK KR Black" pitchFamily="34" charset="-127"/>
+                <a:ea typeface="Noto Sans CJK KR Black" pitchFamily="34" charset="-127"/>
+              </a:rPr>
+            </a:br>
+            <a:r>
+              <a:rPr lang="ko-KR" altLang="en-US" sz="4400" dirty="0">
+                <a:solidFill>
+                  <a:schemeClr val="tx1">
+                    <a:lumMod val="75000"/>
+                    <a:lumOff val="25000"/>
+                  </a:schemeClr>
+                </a:solidFill>
+                <a:latin typeface="Noto Sans CJK KR Black" pitchFamily="34" charset="-127"/>
+                <a:ea typeface="Noto Sans CJK KR Black" pitchFamily="34" charset="-127"/>
+              </a:rPr>
+              <a:t> 알고리즘</a:t>
+            </a:r>
+            <a:endParaRPr lang="ko-KR" altLang="en-US" sz="4400" dirty="0">
+              <a:solidFill>
+                <a:schemeClr val="tx1">
+                  <a:lumMod val="75000"/>
+                  <a:lumOff val="25000"/>
+                </a:schemeClr>
+              </a:solidFill>
+            </a:endParaRPr>
+          </a:p>
+        </p:txBody>
+      </p:sp>
+      <p:sp>
+        <p:nvSpPr>
+          <p:cNvPr id="3" name="슬라이드 번호 개체 틀 2"/>
+          <p:cNvSpPr>
+            <a:spLocks noGrp="1"/>
+          </p:cNvSpPr>
+          <p:nvPr>
+            <p:ph type="sldNum" sz="quarter" idx="12"/>
+          </p:nvPr>
+        </p:nvSpPr>
+        <p:spPr/>
+        <p:txBody>
+          <a:bodyPr/>
+          <a:lstStyle/>
+          <a:p>
+            <a:fld id="{6DDAE2C3-1A0B-474A-8CE8-AE55B8D9D4B1}" type="slidenum">
+              <a:rPr lang="ko-KR" altLang="en-US" smtClean="0"/>
+              <a:pPr/>
+              <a:t>28</a:t>
+            </a:fld>
+            <a:endParaRPr lang="ko-KR" altLang="en-US" dirty="0"/>
+          </a:p>
+        </p:txBody>
+      </p:sp>
+      <p:pic>
+        <p:nvPicPr>
+          <p:cNvPr id="4" name="그림 3">
+            <a:extLst>
+              <a:ext uri="{FF2B5EF4-FFF2-40B4-BE49-F238E27FC236}">
+                <a16:creationId xmlns:a16="http://schemas.microsoft.com/office/drawing/2014/main" id="{F0FE7305-0A94-42C9-B84B-D96AA1807E91}"/>
+              </a:ext>
+            </a:extLst>
+          </p:cNvPr>
+          <p:cNvPicPr>
+            <a:picLocks noChangeAspect="1"/>
+          </p:cNvPicPr>
+          <p:nvPr/>
+        </p:nvPicPr>
+        <p:blipFill>
+          <a:blip r:embed="rId2"/>
+          <a:stretch>
+            <a:fillRect/>
+          </a:stretch>
+        </p:blipFill>
+        <p:spPr>
+          <a:xfrm>
+            <a:off x="3127797" y="710406"/>
+            <a:ext cx="8191500" cy="5419725"/>
+          </a:xfrm>
+          <a:prstGeom prst="rect">
+            <a:avLst/>
+          </a:prstGeom>
+        </p:spPr>
+      </p:pic>
+    </p:spTree>
+    <p:extLst>
+      <p:ext uri="{BB962C8B-B14F-4D97-AF65-F5344CB8AC3E}">
+        <p14:creationId xmlns:p14="http://schemas.microsoft.com/office/powerpoint/2010/main" val="1275345114"/>
+      </p:ext>
+    </p:extLst>
+  </p:cSld>
+  <p:clrMapOvr>
+    <a:masterClrMapping/>
+  </p:clrMapOvr>
+</p:sld>
+</file>
+
+<file path=ppt/slides/slide29.xml><?xml version="1.0" encoding="utf-8"?>
+<p:sld xmlns:a="http://schemas.openxmlformats.org/drawingml/2006/main" xmlns:r="http://schemas.openxmlformats.org/officeDocument/2006/relationships" xmlns:p="http://schemas.openxmlformats.org/presentationml/2006/main">
+  <p:cSld>
+    <p:spTree>
+      <p:nvGrpSpPr>
+        <p:cNvPr id="1" name=""/>
+        <p:cNvGrpSpPr/>
+        <p:nvPr/>
+      </p:nvGrpSpPr>
+      <p:grpSpPr>
+        <a:xfrm>
+          <a:off x="0" y="0"/>
+          <a:ext cx="0" cy="0"/>
+          <a:chOff x="0" y="0"/>
+          <a:chExt cx="0" cy="0"/>
+        </a:xfrm>
+      </p:grpSpPr>
+      <p:sp>
+        <p:nvSpPr>
+          <p:cNvPr id="5" name="제목 4"/>
+          <p:cNvSpPr>
+            <a:spLocks noGrp="1"/>
+          </p:cNvSpPr>
+          <p:nvPr>
+            <p:ph type="title"/>
+          </p:nvPr>
+        </p:nvSpPr>
+        <p:spPr>
+          <a:xfrm>
+            <a:off x="608016" y="551987"/>
+            <a:ext cx="10944225" cy="1140090"/>
+          </a:xfrm>
+        </p:spPr>
+        <p:txBody>
+          <a:bodyPr>
+            <a:normAutofit fontScale="90000"/>
+          </a:bodyPr>
+          <a:lstStyle/>
+          <a:p>
+            <a:pPr algn="l"/>
+            <a:r>
+              <a:rPr lang="en-US" altLang="ko-KR" sz="4400" dirty="0">
+                <a:solidFill>
+                  <a:schemeClr val="tx1">
+                    <a:lumMod val="75000"/>
+                    <a:lumOff val="25000"/>
+                  </a:schemeClr>
+                </a:solidFill>
+                <a:latin typeface="Noto Sans CJK KR Black" pitchFamily="34" charset="-127"/>
+                <a:ea typeface="Noto Sans CJK KR Black" pitchFamily="34" charset="-127"/>
+              </a:rPr>
+              <a:t>2. </a:t>
+            </a:r>
+            <a:r>
+              <a:rPr lang="ko-KR" altLang="en-US" sz="4400" dirty="0">
+                <a:solidFill>
+                  <a:schemeClr val="tx1">
+                    <a:lumMod val="75000"/>
+                    <a:lumOff val="25000"/>
+                  </a:schemeClr>
+                </a:solidFill>
+                <a:latin typeface="Noto Sans CJK KR Black" pitchFamily="34" charset="-127"/>
+                <a:ea typeface="Noto Sans CJK KR Black" pitchFamily="34" charset="-127"/>
+              </a:rPr>
+              <a:t>시계열</a:t>
+            </a:r>
+            <a:br>
+              <a:rPr lang="en-US" altLang="ko-KR" sz="4400" dirty="0">
+                <a:solidFill>
+                  <a:schemeClr val="tx1">
+                    <a:lumMod val="75000"/>
+                    <a:lumOff val="25000"/>
+                  </a:schemeClr>
+                </a:solidFill>
+                <a:latin typeface="Noto Sans CJK KR Black" pitchFamily="34" charset="-127"/>
+                <a:ea typeface="Noto Sans CJK KR Black" pitchFamily="34" charset="-127"/>
+              </a:rPr>
+            </a:br>
+            <a:r>
+              <a:rPr lang="ko-KR" altLang="en-US" sz="4400" dirty="0">
+                <a:solidFill>
+                  <a:schemeClr val="tx1">
+                    <a:lumMod val="75000"/>
+                    <a:lumOff val="25000"/>
+                  </a:schemeClr>
+                </a:solidFill>
+                <a:latin typeface="Noto Sans CJK KR Black" pitchFamily="34" charset="-127"/>
+                <a:ea typeface="Noto Sans CJK KR Black" pitchFamily="34" charset="-127"/>
+              </a:rPr>
+              <a:t> 알고리즘</a:t>
+            </a:r>
+            <a:endParaRPr lang="ko-KR" altLang="en-US" sz="4400" dirty="0">
+              <a:solidFill>
+                <a:schemeClr val="tx1">
+                  <a:lumMod val="75000"/>
+                  <a:lumOff val="25000"/>
+                </a:schemeClr>
+              </a:solidFill>
+            </a:endParaRPr>
+          </a:p>
+        </p:txBody>
+      </p:sp>
+      <p:sp>
+        <p:nvSpPr>
+          <p:cNvPr id="3" name="슬라이드 번호 개체 틀 2"/>
+          <p:cNvSpPr>
+            <a:spLocks noGrp="1"/>
+          </p:cNvSpPr>
+          <p:nvPr>
+            <p:ph type="sldNum" sz="quarter" idx="12"/>
+          </p:nvPr>
+        </p:nvSpPr>
+        <p:spPr/>
+        <p:txBody>
+          <a:bodyPr/>
+          <a:lstStyle/>
+          <a:p>
+            <a:fld id="{6DDAE2C3-1A0B-474A-8CE8-AE55B8D9D4B1}" type="slidenum">
+              <a:rPr lang="ko-KR" altLang="en-US" smtClean="0"/>
+              <a:pPr/>
+              <a:t>29</a:t>
+            </a:fld>
+            <a:endParaRPr lang="ko-KR" altLang="en-US" dirty="0"/>
+          </a:p>
+        </p:txBody>
+      </p:sp>
+      <p:pic>
+        <p:nvPicPr>
+          <p:cNvPr id="2" name="그림 1">
+            <a:extLst>
+              <a:ext uri="{FF2B5EF4-FFF2-40B4-BE49-F238E27FC236}">
+                <a16:creationId xmlns:a16="http://schemas.microsoft.com/office/drawing/2014/main" id="{1971BE0D-5480-4A84-BC53-E2D085F0E338}"/>
+              </a:ext>
+            </a:extLst>
+          </p:cNvPr>
+          <p:cNvPicPr>
+            <a:picLocks noChangeAspect="1"/>
+          </p:cNvPicPr>
+          <p:nvPr/>
+        </p:nvPicPr>
+        <p:blipFill>
+          <a:blip r:embed="rId2"/>
+          <a:stretch>
+            <a:fillRect/>
+          </a:stretch>
+        </p:blipFill>
+        <p:spPr>
+          <a:xfrm>
+            <a:off x="3415829" y="691356"/>
+            <a:ext cx="7972425" cy="5457825"/>
+          </a:xfrm>
+          <a:prstGeom prst="rect">
+            <a:avLst/>
+          </a:prstGeom>
+        </p:spPr>
+      </p:pic>
+    </p:spTree>
+    <p:extLst>
+      <p:ext uri="{BB962C8B-B14F-4D97-AF65-F5344CB8AC3E}">
+        <p14:creationId xmlns:p14="http://schemas.microsoft.com/office/powerpoint/2010/main" val="232908003"/>
+      </p:ext>
+    </p:extLst>
+  </p:cSld>
+  <p:clrMapOvr>
+    <a:masterClrMapping/>
+  </p:clrMapOvr>
+</p:sld>
+</file>
+
+<file path=ppt/slides/slide3.xml><?xml version="1.0" encoding="utf-8"?>
+<p:sld xmlns:a="http://schemas.openxmlformats.org/drawingml/2006/main" xmlns:r="http://schemas.openxmlformats.org/officeDocument/2006/relationships" xmlns:p="http://schemas.openxmlformats.org/presentationml/2006/main">
+  <p:cSld>
+    <p:spTree>
+      <p:nvGrpSpPr>
+        <p:cNvPr id="1" name=""/>
+        <p:cNvGrpSpPr/>
+        <p:nvPr/>
+      </p:nvGrpSpPr>
+      <p:grpSpPr>
+        <a:xfrm>
+          <a:off x="0" y="0"/>
+          <a:ext cx="0" cy="0"/>
+          <a:chOff x="0" y="0"/>
+          <a:chExt cx="0" cy="0"/>
+        </a:xfrm>
+      </p:grpSpPr>
+      <p:sp>
+        <p:nvSpPr>
+          <p:cNvPr id="15" name="슬라이드 번호 개체 틀 14"/>
+          <p:cNvSpPr>
+            <a:spLocks noGrp="1"/>
+          </p:cNvSpPr>
+          <p:nvPr>
+            <p:ph type="sldNum" sz="quarter" idx="12"/>
+          </p:nvPr>
+        </p:nvSpPr>
+        <p:spPr/>
+        <p:txBody>
+          <a:bodyPr/>
+          <a:lstStyle/>
+          <a:p>
+            <a:fld id="{6DDAE2C3-1A0B-474A-8CE8-AE55B8D9D4B1}" type="slidenum">
+              <a:rPr lang="ko-KR" altLang="en-US" smtClean="0"/>
+              <a:pPr/>
+              <a:t>3</a:t>
+            </a:fld>
+            <a:endParaRPr lang="ko-KR" altLang="en-US" dirty="0"/>
+          </a:p>
+        </p:txBody>
+      </p:sp>
+      <p:pic>
+        <p:nvPicPr>
+          <p:cNvPr id="7" name="그림 6">
+            <a:extLst>
+              <a:ext uri="{FF2B5EF4-FFF2-40B4-BE49-F238E27FC236}">
+                <a16:creationId xmlns:a16="http://schemas.microsoft.com/office/drawing/2014/main" id="{3B1498C0-CB5D-4E80-B5A0-AAC79EF283B5}"/>
+              </a:ext>
+            </a:extLst>
+          </p:cNvPr>
+          <p:cNvPicPr>
+            <a:picLocks noChangeAspect="1"/>
+          </p:cNvPicPr>
+          <p:nvPr/>
+        </p:nvPicPr>
+        <p:blipFill>
+          <a:blip r:embed="rId2"/>
+          <a:stretch>
+            <a:fillRect/>
+          </a:stretch>
+        </p:blipFill>
+        <p:spPr>
+          <a:xfrm>
+            <a:off x="3917574" y="0"/>
+            <a:ext cx="4325102" cy="6840538"/>
+          </a:xfrm>
+          <a:prstGeom prst="rect">
+            <a:avLst/>
+          </a:prstGeom>
+        </p:spPr>
+      </p:pic>
+    </p:spTree>
+    <p:extLst>
+      <p:ext uri="{BB962C8B-B14F-4D97-AF65-F5344CB8AC3E}">
+        <p14:creationId xmlns:p14="http://schemas.microsoft.com/office/powerpoint/2010/main" val="2877754834"/>
+      </p:ext>
+    </p:extLst>
+  </p:cSld>
+  <p:clrMapOvr>
+    <a:masterClrMapping/>
+  </p:clrMapOvr>
+</p:sld>
+</file>
+
+<file path=ppt/slides/slide30.xml><?xml version="1.0" encoding="utf-8"?>
+<p:sld xmlns:a="http://schemas.openxmlformats.org/drawingml/2006/main" xmlns:r="http://schemas.openxmlformats.org/officeDocument/2006/relationships" xmlns:p="http://schemas.openxmlformats.org/presentationml/2006/main">
+  <p:cSld>
+    <p:spTree>
+      <p:nvGrpSpPr>
+        <p:cNvPr id="1" name=""/>
+        <p:cNvGrpSpPr/>
+        <p:nvPr/>
+      </p:nvGrpSpPr>
+      <p:grpSpPr>
+        <a:xfrm>
+          <a:off x="0" y="0"/>
+          <a:ext cx="0" cy="0"/>
+          <a:chOff x="0" y="0"/>
+          <a:chExt cx="0" cy="0"/>
+        </a:xfrm>
+      </p:grpSpPr>
+      <p:sp>
+        <p:nvSpPr>
+          <p:cNvPr id="5" name="제목 4"/>
+          <p:cNvSpPr>
+            <a:spLocks noGrp="1"/>
+          </p:cNvSpPr>
+          <p:nvPr>
+            <p:ph type="title"/>
+          </p:nvPr>
+        </p:nvSpPr>
+        <p:spPr>
+          <a:xfrm>
+            <a:off x="608016" y="551987"/>
+            <a:ext cx="10944225" cy="1140090"/>
+          </a:xfrm>
+        </p:spPr>
+        <p:txBody>
+          <a:bodyPr>
+            <a:normAutofit fontScale="90000"/>
+          </a:bodyPr>
+          <a:lstStyle/>
+          <a:p>
+            <a:pPr algn="l"/>
+            <a:r>
+              <a:rPr lang="en-US" altLang="ko-KR" sz="4400" dirty="0">
+                <a:solidFill>
+                  <a:schemeClr val="tx1">
+                    <a:lumMod val="75000"/>
+                    <a:lumOff val="25000"/>
+                  </a:schemeClr>
+                </a:solidFill>
+                <a:latin typeface="Noto Sans CJK KR Black" pitchFamily="34" charset="-127"/>
+                <a:ea typeface="Noto Sans CJK KR Black" pitchFamily="34" charset="-127"/>
+              </a:rPr>
+              <a:t>2. </a:t>
+            </a:r>
+            <a:r>
+              <a:rPr lang="ko-KR" altLang="en-US" sz="4400" dirty="0">
+                <a:solidFill>
+                  <a:schemeClr val="tx1">
+                    <a:lumMod val="75000"/>
+                    <a:lumOff val="25000"/>
+                  </a:schemeClr>
+                </a:solidFill>
+                <a:latin typeface="Noto Sans CJK KR Black" pitchFamily="34" charset="-127"/>
+                <a:ea typeface="Noto Sans CJK KR Black" pitchFamily="34" charset="-127"/>
+              </a:rPr>
+              <a:t>시계열</a:t>
+            </a:r>
+            <a:br>
+              <a:rPr lang="en-US" altLang="ko-KR" sz="4400" dirty="0">
+                <a:solidFill>
+                  <a:schemeClr val="tx1">
+                    <a:lumMod val="75000"/>
+                    <a:lumOff val="25000"/>
+                  </a:schemeClr>
+                </a:solidFill>
+                <a:latin typeface="Noto Sans CJK KR Black" pitchFamily="34" charset="-127"/>
+                <a:ea typeface="Noto Sans CJK KR Black" pitchFamily="34" charset="-127"/>
+              </a:rPr>
+            </a:br>
+            <a:r>
+              <a:rPr lang="ko-KR" altLang="en-US" sz="4400" dirty="0">
+                <a:solidFill>
+                  <a:schemeClr val="tx1">
+                    <a:lumMod val="75000"/>
+                    <a:lumOff val="25000"/>
+                  </a:schemeClr>
+                </a:solidFill>
+                <a:latin typeface="Noto Sans CJK KR Black" pitchFamily="34" charset="-127"/>
+                <a:ea typeface="Noto Sans CJK KR Black" pitchFamily="34" charset="-127"/>
+              </a:rPr>
+              <a:t> 알고리즘</a:t>
+            </a:r>
+            <a:endParaRPr lang="ko-KR" altLang="en-US" sz="4400" dirty="0">
+              <a:solidFill>
+                <a:schemeClr val="tx1">
+                  <a:lumMod val="75000"/>
+                  <a:lumOff val="25000"/>
+                </a:schemeClr>
+              </a:solidFill>
+            </a:endParaRPr>
+          </a:p>
+        </p:txBody>
+      </p:sp>
+      <p:sp>
+        <p:nvSpPr>
+          <p:cNvPr id="3" name="슬라이드 번호 개체 틀 2"/>
+          <p:cNvSpPr>
+            <a:spLocks noGrp="1"/>
+          </p:cNvSpPr>
+          <p:nvPr>
+            <p:ph type="sldNum" sz="quarter" idx="12"/>
+          </p:nvPr>
+        </p:nvSpPr>
+        <p:spPr/>
+        <p:txBody>
+          <a:bodyPr/>
+          <a:lstStyle/>
+          <a:p>
+            <a:fld id="{6DDAE2C3-1A0B-474A-8CE8-AE55B8D9D4B1}" type="slidenum">
+              <a:rPr lang="ko-KR" altLang="en-US" smtClean="0"/>
+              <a:pPr/>
+              <a:t>30</a:t>
+            </a:fld>
+            <a:endParaRPr lang="ko-KR" altLang="en-US" dirty="0"/>
+          </a:p>
+        </p:txBody>
+      </p:sp>
+      <p:pic>
+        <p:nvPicPr>
+          <p:cNvPr id="2" name="그림 1">
+            <a:extLst>
+              <a:ext uri="{FF2B5EF4-FFF2-40B4-BE49-F238E27FC236}">
+                <a16:creationId xmlns:a16="http://schemas.microsoft.com/office/drawing/2014/main" id="{5C1FF3F2-7BA7-4375-A261-2179837E2730}"/>
+              </a:ext>
+            </a:extLst>
+          </p:cNvPr>
+          <p:cNvPicPr>
+            <a:picLocks noChangeAspect="1"/>
+          </p:cNvPicPr>
+          <p:nvPr/>
+        </p:nvPicPr>
+        <p:blipFill>
+          <a:blip r:embed="rId2"/>
+          <a:stretch>
+            <a:fillRect/>
+          </a:stretch>
+        </p:blipFill>
+        <p:spPr>
+          <a:xfrm>
+            <a:off x="3608384" y="738249"/>
+            <a:ext cx="7943850" cy="5467350"/>
+          </a:xfrm>
+          <a:prstGeom prst="rect">
+            <a:avLst/>
+          </a:prstGeom>
+        </p:spPr>
+      </p:pic>
+    </p:spTree>
+    <p:extLst>
+      <p:ext uri="{BB962C8B-B14F-4D97-AF65-F5344CB8AC3E}">
+        <p14:creationId xmlns:p14="http://schemas.microsoft.com/office/powerpoint/2010/main" val="475516823"/>
+      </p:ext>
+    </p:extLst>
+  </p:cSld>
+  <p:clrMapOvr>
+    <a:masterClrMapping/>
+  </p:clrMapOvr>
+</p:sld>
+</file>
+
+<file path=ppt/slides/slide31.xml><?xml version="1.0" encoding="utf-8"?>
+<p:sld xmlns:a="http://schemas.openxmlformats.org/drawingml/2006/main" xmlns:r="http://schemas.openxmlformats.org/officeDocument/2006/relationships" xmlns:p="http://schemas.openxmlformats.org/presentationml/2006/main">
+  <p:cSld>
+    <p:spTree>
+      <p:nvGrpSpPr>
+        <p:cNvPr id="1" name=""/>
+        <p:cNvGrpSpPr/>
+        <p:nvPr/>
+      </p:nvGrpSpPr>
+      <p:grpSpPr>
+        <a:xfrm>
+          <a:off x="0" y="0"/>
+          <a:ext cx="0" cy="0"/>
+          <a:chOff x="0" y="0"/>
+          <a:chExt cx="0" cy="0"/>
+        </a:xfrm>
+      </p:grpSpPr>
+      <p:sp>
+        <p:nvSpPr>
+          <p:cNvPr id="5" name="제목 4"/>
+          <p:cNvSpPr>
+            <a:spLocks noGrp="1"/>
+          </p:cNvSpPr>
+          <p:nvPr>
+            <p:ph type="title"/>
+          </p:nvPr>
+        </p:nvSpPr>
+        <p:spPr>
+          <a:xfrm>
+            <a:off x="608016" y="551987"/>
+            <a:ext cx="10944225" cy="1140090"/>
+          </a:xfrm>
+        </p:spPr>
+        <p:txBody>
+          <a:bodyPr>
+            <a:normAutofit fontScale="90000"/>
+          </a:bodyPr>
+          <a:lstStyle/>
+          <a:p>
+            <a:pPr algn="l"/>
+            <a:r>
+              <a:rPr lang="en-US" altLang="ko-KR" sz="4400" dirty="0">
+                <a:solidFill>
+                  <a:schemeClr val="tx1">
+                    <a:lumMod val="75000"/>
+                    <a:lumOff val="25000"/>
+                  </a:schemeClr>
+                </a:solidFill>
+                <a:latin typeface="Noto Sans CJK KR Black" pitchFamily="34" charset="-127"/>
+                <a:ea typeface="Noto Sans CJK KR Black" pitchFamily="34" charset="-127"/>
+              </a:rPr>
+              <a:t>2. </a:t>
+            </a:r>
+            <a:r>
+              <a:rPr lang="ko-KR" altLang="en-US" sz="4400" dirty="0">
+                <a:solidFill>
+                  <a:schemeClr val="tx1">
+                    <a:lumMod val="75000"/>
+                    <a:lumOff val="25000"/>
+                  </a:schemeClr>
+                </a:solidFill>
+                <a:latin typeface="Noto Sans CJK KR Black" pitchFamily="34" charset="-127"/>
+                <a:ea typeface="Noto Sans CJK KR Black" pitchFamily="34" charset="-127"/>
+              </a:rPr>
+              <a:t>시계열</a:t>
+            </a:r>
+            <a:br>
+              <a:rPr lang="en-US" altLang="ko-KR" sz="4400" dirty="0">
+                <a:solidFill>
+                  <a:schemeClr val="tx1">
+                    <a:lumMod val="75000"/>
+                    <a:lumOff val="25000"/>
+                  </a:schemeClr>
+                </a:solidFill>
+                <a:latin typeface="Noto Sans CJK KR Black" pitchFamily="34" charset="-127"/>
+                <a:ea typeface="Noto Sans CJK KR Black" pitchFamily="34" charset="-127"/>
+              </a:rPr>
+            </a:br>
+            <a:r>
+              <a:rPr lang="ko-KR" altLang="en-US" sz="4400" dirty="0">
+                <a:solidFill>
+                  <a:schemeClr val="tx1">
+                    <a:lumMod val="75000"/>
+                    <a:lumOff val="25000"/>
+                  </a:schemeClr>
+                </a:solidFill>
+                <a:latin typeface="Noto Sans CJK KR Black" pitchFamily="34" charset="-127"/>
+                <a:ea typeface="Noto Sans CJK KR Black" pitchFamily="34" charset="-127"/>
+              </a:rPr>
+              <a:t> 알고리즘</a:t>
+            </a:r>
+            <a:endParaRPr lang="ko-KR" altLang="en-US" sz="4400" dirty="0">
+              <a:solidFill>
+                <a:schemeClr val="tx1">
+                  <a:lumMod val="75000"/>
+                  <a:lumOff val="25000"/>
+                </a:schemeClr>
+              </a:solidFill>
+            </a:endParaRPr>
+          </a:p>
+        </p:txBody>
+      </p:sp>
+      <p:sp>
+        <p:nvSpPr>
+          <p:cNvPr id="3" name="슬라이드 번호 개체 틀 2"/>
+          <p:cNvSpPr>
+            <a:spLocks noGrp="1"/>
+          </p:cNvSpPr>
+          <p:nvPr>
+            <p:ph type="sldNum" sz="quarter" idx="12"/>
+          </p:nvPr>
+        </p:nvSpPr>
+        <p:spPr/>
+        <p:txBody>
+          <a:bodyPr/>
+          <a:lstStyle/>
+          <a:p>
+            <a:fld id="{6DDAE2C3-1A0B-474A-8CE8-AE55B8D9D4B1}" type="slidenum">
+              <a:rPr lang="ko-KR" altLang="en-US" smtClean="0"/>
+              <a:pPr/>
+              <a:t>31</a:t>
+            </a:fld>
+            <a:endParaRPr lang="ko-KR" altLang="en-US" dirty="0"/>
+          </a:p>
+        </p:txBody>
+      </p:sp>
+      <p:pic>
+        <p:nvPicPr>
+          <p:cNvPr id="4" name="그림 3">
+            <a:extLst>
+              <a:ext uri="{FF2B5EF4-FFF2-40B4-BE49-F238E27FC236}">
+                <a16:creationId xmlns:a16="http://schemas.microsoft.com/office/drawing/2014/main" id="{143A1FBB-6C8B-4004-960C-68C995FB1A51}"/>
+              </a:ext>
+            </a:extLst>
+          </p:cNvPr>
+          <p:cNvPicPr>
+            <a:picLocks noChangeAspect="1"/>
+          </p:cNvPicPr>
+          <p:nvPr/>
+        </p:nvPicPr>
+        <p:blipFill>
+          <a:blip r:embed="rId2"/>
+          <a:stretch>
+            <a:fillRect/>
+          </a:stretch>
+        </p:blipFill>
+        <p:spPr>
+          <a:xfrm>
+            <a:off x="3487837" y="1548061"/>
+            <a:ext cx="7943850" cy="3886200"/>
+          </a:xfrm>
+          <a:prstGeom prst="rect">
+            <a:avLst/>
+          </a:prstGeom>
+        </p:spPr>
+      </p:pic>
+    </p:spTree>
+    <p:extLst>
+      <p:ext uri="{BB962C8B-B14F-4D97-AF65-F5344CB8AC3E}">
+        <p14:creationId xmlns:p14="http://schemas.microsoft.com/office/powerpoint/2010/main" val="678321718"/>
+      </p:ext>
+    </p:extLst>
+  </p:cSld>
+  <p:clrMapOvr>
+    <a:masterClrMapping/>
+  </p:clrMapOvr>
+</p:sld>
+</file>
+
+<file path=ppt/slides/slide32.xml><?xml version="1.0" encoding="utf-8"?>
+<p:sld xmlns:a="http://schemas.openxmlformats.org/drawingml/2006/main" xmlns:r="http://schemas.openxmlformats.org/officeDocument/2006/relationships" xmlns:p="http://schemas.openxmlformats.org/presentationml/2006/main">
+  <p:cSld>
+    <p:spTree>
+      <p:nvGrpSpPr>
+        <p:cNvPr id="1" name=""/>
+        <p:cNvGrpSpPr/>
+        <p:nvPr/>
+      </p:nvGrpSpPr>
+      <p:grpSpPr>
+        <a:xfrm>
+          <a:off x="0" y="0"/>
+          <a:ext cx="0" cy="0"/>
+          <a:chOff x="0" y="0"/>
+          <a:chExt cx="0" cy="0"/>
+        </a:xfrm>
+      </p:grpSpPr>
+      <p:sp>
+        <p:nvSpPr>
+          <p:cNvPr id="5" name="제목 4"/>
+          <p:cNvSpPr>
+            <a:spLocks noGrp="1"/>
+          </p:cNvSpPr>
+          <p:nvPr>
+            <p:ph type="title"/>
+          </p:nvPr>
+        </p:nvSpPr>
+        <p:spPr>
+          <a:xfrm>
+            <a:off x="608016" y="551987"/>
+            <a:ext cx="10944225" cy="1140090"/>
+          </a:xfrm>
+        </p:spPr>
+        <p:txBody>
+          <a:bodyPr>
+            <a:normAutofit/>
+          </a:bodyPr>
+          <a:lstStyle/>
+          <a:p>
+            <a:pPr algn="l"/>
+            <a:r>
+              <a:rPr lang="en-US" altLang="ko-KR" sz="4400" dirty="0">
+                <a:solidFill>
+                  <a:schemeClr val="tx1">
+                    <a:lumMod val="75000"/>
+                    <a:lumOff val="25000"/>
+                  </a:schemeClr>
+                </a:solidFill>
+                <a:latin typeface="Noto Sans CJK KR Black" pitchFamily="34" charset="-127"/>
+                <a:ea typeface="Noto Sans CJK KR Black" pitchFamily="34" charset="-127"/>
+              </a:rPr>
+              <a:t>2. </a:t>
+            </a:r>
+            <a:r>
+              <a:rPr lang="ko-KR" altLang="en-US" sz="4400" dirty="0">
+                <a:solidFill>
+                  <a:schemeClr val="tx1">
+                    <a:lumMod val="75000"/>
+                    <a:lumOff val="25000"/>
+                  </a:schemeClr>
+                </a:solidFill>
+                <a:latin typeface="Noto Sans CJK KR Black" pitchFamily="34" charset="-127"/>
+                <a:ea typeface="Noto Sans CJK KR Black" pitchFamily="34" charset="-127"/>
+              </a:rPr>
+              <a:t>시계열 알고리즘</a:t>
+            </a:r>
+            <a:endParaRPr lang="ko-KR" altLang="en-US" sz="4400" dirty="0">
+              <a:solidFill>
+                <a:schemeClr val="tx1">
+                  <a:lumMod val="75000"/>
+                  <a:lumOff val="25000"/>
+                </a:schemeClr>
+              </a:solidFill>
+            </a:endParaRPr>
+          </a:p>
+        </p:txBody>
+      </p:sp>
+      <p:sp>
+        <p:nvSpPr>
+          <p:cNvPr id="3" name="슬라이드 번호 개체 틀 2"/>
+          <p:cNvSpPr>
+            <a:spLocks noGrp="1"/>
+          </p:cNvSpPr>
+          <p:nvPr>
+            <p:ph type="sldNum" sz="quarter" idx="12"/>
+          </p:nvPr>
+        </p:nvSpPr>
+        <p:spPr/>
+        <p:txBody>
+          <a:bodyPr/>
+          <a:lstStyle/>
+          <a:p>
+            <a:fld id="{6DDAE2C3-1A0B-474A-8CE8-AE55B8D9D4B1}" type="slidenum">
+              <a:rPr lang="ko-KR" altLang="en-US" smtClean="0"/>
+              <a:pPr/>
+              <a:t>32</a:t>
+            </a:fld>
+            <a:endParaRPr lang="ko-KR" altLang="en-US" dirty="0"/>
+          </a:p>
+        </p:txBody>
+      </p:sp>
+      <p:pic>
+        <p:nvPicPr>
+          <p:cNvPr id="2" name="그림 1">
+            <a:extLst>
+              <a:ext uri="{FF2B5EF4-FFF2-40B4-BE49-F238E27FC236}">
+                <a16:creationId xmlns:a16="http://schemas.microsoft.com/office/drawing/2014/main" id="{1350564C-93F1-4004-A2A6-27327880CC47}"/>
+              </a:ext>
+            </a:extLst>
+          </p:cNvPr>
+          <p:cNvPicPr>
+            <a:picLocks noChangeAspect="1"/>
+          </p:cNvPicPr>
+          <p:nvPr/>
+        </p:nvPicPr>
+        <p:blipFill>
+          <a:blip r:embed="rId2"/>
+          <a:stretch>
+            <a:fillRect/>
+          </a:stretch>
+        </p:blipFill>
+        <p:spPr>
+          <a:xfrm>
+            <a:off x="2189162" y="1630270"/>
+            <a:ext cx="7781925" cy="4924425"/>
+          </a:xfrm>
+          <a:prstGeom prst="rect">
+            <a:avLst/>
+          </a:prstGeom>
+        </p:spPr>
+      </p:pic>
+    </p:spTree>
+    <p:extLst>
+      <p:ext uri="{BB962C8B-B14F-4D97-AF65-F5344CB8AC3E}">
+        <p14:creationId xmlns:p14="http://schemas.microsoft.com/office/powerpoint/2010/main" val="139457658"/>
+      </p:ext>
+    </p:extLst>
+  </p:cSld>
+  <p:clrMapOvr>
+    <a:masterClrMapping/>
+  </p:clrMapOvr>
+</p:sld>
+</file>
+
+<file path=ppt/slides/slide33.xml><?xml version="1.0" encoding="utf-8"?>
+<p:sld xmlns:a="http://schemas.openxmlformats.org/drawingml/2006/main" xmlns:r="http://schemas.openxmlformats.org/officeDocument/2006/relationships" xmlns:p="http://schemas.openxmlformats.org/presentationml/2006/main">
+  <p:cSld>
+    <p:spTree>
+      <p:nvGrpSpPr>
+        <p:cNvPr id="1" name=""/>
+        <p:cNvGrpSpPr/>
+        <p:nvPr/>
+      </p:nvGrpSpPr>
+      <p:grpSpPr>
+        <a:xfrm>
+          <a:off x="0" y="0"/>
+          <a:ext cx="0" cy="0"/>
+          <a:chOff x="0" y="0"/>
+          <a:chExt cx="0" cy="0"/>
+        </a:xfrm>
+      </p:grpSpPr>
+      <p:sp>
+        <p:nvSpPr>
+          <p:cNvPr id="5" name="제목 4"/>
+          <p:cNvSpPr>
+            <a:spLocks noGrp="1"/>
+          </p:cNvSpPr>
+          <p:nvPr>
+            <p:ph type="title"/>
+          </p:nvPr>
+        </p:nvSpPr>
+        <p:spPr>
+          <a:xfrm>
+            <a:off x="608016" y="551987"/>
+            <a:ext cx="10944225" cy="1140090"/>
+          </a:xfrm>
+        </p:spPr>
+        <p:txBody>
+          <a:bodyPr>
+            <a:normAutofit fontScale="90000"/>
+          </a:bodyPr>
+          <a:lstStyle/>
+          <a:p>
+            <a:pPr algn="l"/>
+            <a:r>
+              <a:rPr lang="en-US" altLang="ko-KR" sz="4400" dirty="0">
+                <a:solidFill>
+                  <a:schemeClr val="tx1">
+                    <a:lumMod val="75000"/>
+                    <a:lumOff val="25000"/>
+                  </a:schemeClr>
+                </a:solidFill>
+                <a:latin typeface="Noto Sans CJK KR Black" pitchFamily="34" charset="-127"/>
+                <a:ea typeface="Noto Sans CJK KR Black" pitchFamily="34" charset="-127"/>
+              </a:rPr>
+              <a:t>2. </a:t>
+            </a:r>
+            <a:r>
+              <a:rPr lang="ko-KR" altLang="en-US" sz="4400" dirty="0">
+                <a:solidFill>
+                  <a:schemeClr val="tx1">
+                    <a:lumMod val="75000"/>
+                    <a:lumOff val="25000"/>
+                  </a:schemeClr>
+                </a:solidFill>
+                <a:latin typeface="Noto Sans CJK KR Black" pitchFamily="34" charset="-127"/>
+                <a:ea typeface="Noto Sans CJK KR Black" pitchFamily="34" charset="-127"/>
+              </a:rPr>
+              <a:t>시계열 </a:t>
+            </a:r>
+            <a:br>
+              <a:rPr lang="en-US" altLang="ko-KR" sz="4400" dirty="0">
+                <a:solidFill>
+                  <a:schemeClr val="tx1">
+                    <a:lumMod val="75000"/>
+                    <a:lumOff val="25000"/>
+                  </a:schemeClr>
+                </a:solidFill>
+                <a:latin typeface="Noto Sans CJK KR Black" pitchFamily="34" charset="-127"/>
+                <a:ea typeface="Noto Sans CJK KR Black" pitchFamily="34" charset="-127"/>
+              </a:rPr>
+            </a:br>
+            <a:r>
+              <a:rPr lang="ko-KR" altLang="en-US" sz="4400" dirty="0">
+                <a:solidFill>
+                  <a:schemeClr val="tx1">
+                    <a:lumMod val="75000"/>
+                    <a:lumOff val="25000"/>
+                  </a:schemeClr>
+                </a:solidFill>
+                <a:latin typeface="Noto Sans CJK KR Black" pitchFamily="34" charset="-127"/>
+                <a:ea typeface="Noto Sans CJK KR Black" pitchFamily="34" charset="-127"/>
+              </a:rPr>
+              <a:t>알고리즘</a:t>
+            </a:r>
+            <a:endParaRPr lang="ko-KR" altLang="en-US" sz="4400" dirty="0">
+              <a:solidFill>
+                <a:schemeClr val="tx1">
+                  <a:lumMod val="75000"/>
+                  <a:lumOff val="25000"/>
+                </a:schemeClr>
+              </a:solidFill>
+            </a:endParaRPr>
+          </a:p>
+        </p:txBody>
+      </p:sp>
+      <p:sp>
+        <p:nvSpPr>
+          <p:cNvPr id="3" name="슬라이드 번호 개체 틀 2"/>
+          <p:cNvSpPr>
+            <a:spLocks noGrp="1"/>
+          </p:cNvSpPr>
+          <p:nvPr>
+            <p:ph type="sldNum" sz="quarter" idx="12"/>
+          </p:nvPr>
+        </p:nvSpPr>
+        <p:spPr/>
+        <p:txBody>
+          <a:bodyPr/>
+          <a:lstStyle/>
+          <a:p>
+            <a:fld id="{6DDAE2C3-1A0B-474A-8CE8-AE55B8D9D4B1}" type="slidenum">
+              <a:rPr lang="ko-KR" altLang="en-US" smtClean="0"/>
+              <a:pPr/>
+              <a:t>33</a:t>
+            </a:fld>
+            <a:endParaRPr lang="ko-KR" altLang="en-US" dirty="0"/>
+          </a:p>
+        </p:txBody>
+      </p:sp>
+      <p:pic>
+        <p:nvPicPr>
+          <p:cNvPr id="2" name="그림 1">
+            <a:extLst>
+              <a:ext uri="{FF2B5EF4-FFF2-40B4-BE49-F238E27FC236}">
+                <a16:creationId xmlns:a16="http://schemas.microsoft.com/office/drawing/2014/main" id="{C5C178BE-06F3-400F-A17E-8C02811F2170}"/>
+              </a:ext>
+            </a:extLst>
+          </p:cNvPr>
+          <p:cNvPicPr>
+            <a:picLocks noChangeAspect="1"/>
+          </p:cNvPicPr>
+          <p:nvPr/>
+        </p:nvPicPr>
+        <p:blipFill>
+          <a:blip r:embed="rId2"/>
+          <a:stretch>
+            <a:fillRect/>
+          </a:stretch>
+        </p:blipFill>
+        <p:spPr>
+          <a:xfrm>
+            <a:off x="3775869" y="0"/>
+            <a:ext cx="7665284" cy="6840538"/>
+          </a:xfrm>
+          <a:prstGeom prst="rect">
+            <a:avLst/>
+          </a:prstGeom>
+        </p:spPr>
+      </p:pic>
+    </p:spTree>
+    <p:extLst>
+      <p:ext uri="{BB962C8B-B14F-4D97-AF65-F5344CB8AC3E}">
+        <p14:creationId xmlns:p14="http://schemas.microsoft.com/office/powerpoint/2010/main" val="3849477025"/>
+      </p:ext>
+    </p:extLst>
+  </p:cSld>
+  <p:clrMapOvr>
+    <a:masterClrMapping/>
+  </p:clrMapOvr>
+</p:sld>
+</file>
+
+<file path=ppt/slides/slide34.xml><?xml version="1.0" encoding="utf-8"?>
+<p:sld xmlns:a="http://schemas.openxmlformats.org/drawingml/2006/main" xmlns:r="http://schemas.openxmlformats.org/officeDocument/2006/relationships" xmlns:p="http://schemas.openxmlformats.org/presentationml/2006/main">
+  <p:cSld>
+    <p:spTree>
+      <p:nvGrpSpPr>
+        <p:cNvPr id="1" name=""/>
+        <p:cNvGrpSpPr/>
+        <p:nvPr/>
+      </p:nvGrpSpPr>
+      <p:grpSpPr>
+        <a:xfrm>
+          <a:off x="0" y="0"/>
+          <a:ext cx="0" cy="0"/>
+          <a:chOff x="0" y="0"/>
+          <a:chExt cx="0" cy="0"/>
+        </a:xfrm>
+      </p:grpSpPr>
+      <p:sp>
+        <p:nvSpPr>
+          <p:cNvPr id="5" name="제목 4"/>
+          <p:cNvSpPr>
+            <a:spLocks noGrp="1"/>
+          </p:cNvSpPr>
+          <p:nvPr>
+            <p:ph type="title"/>
+          </p:nvPr>
+        </p:nvSpPr>
+        <p:spPr>
+          <a:xfrm>
+            <a:off x="608016" y="551987"/>
+            <a:ext cx="10944225" cy="1140090"/>
+          </a:xfrm>
+        </p:spPr>
+        <p:txBody>
+          <a:bodyPr>
+            <a:normAutofit/>
+          </a:bodyPr>
+          <a:lstStyle/>
+          <a:p>
+            <a:pPr algn="l"/>
+            <a:r>
+              <a:rPr lang="en-US" altLang="ko-KR" sz="4400" dirty="0">
+                <a:solidFill>
+                  <a:schemeClr val="tx1">
+                    <a:lumMod val="75000"/>
+                    <a:lumOff val="25000"/>
+                  </a:schemeClr>
+                </a:solidFill>
+                <a:latin typeface="Noto Sans CJK KR Black" pitchFamily="34" charset="-127"/>
+                <a:ea typeface="Noto Sans CJK KR Black" pitchFamily="34" charset="-127"/>
+              </a:rPr>
+              <a:t>2. </a:t>
+            </a:r>
+            <a:r>
+              <a:rPr lang="ko-KR" altLang="en-US" sz="4400" dirty="0">
+                <a:solidFill>
+                  <a:schemeClr val="tx1">
+                    <a:lumMod val="75000"/>
+                    <a:lumOff val="25000"/>
+                  </a:schemeClr>
+                </a:solidFill>
+                <a:latin typeface="Noto Sans CJK KR Black" pitchFamily="34" charset="-127"/>
+                <a:ea typeface="Noto Sans CJK KR Black" pitchFamily="34" charset="-127"/>
+              </a:rPr>
+              <a:t>시계열 알고리즘</a:t>
+            </a:r>
+            <a:endParaRPr lang="ko-KR" altLang="en-US" sz="4400" dirty="0">
+              <a:solidFill>
+                <a:schemeClr val="tx1">
+                  <a:lumMod val="75000"/>
+                  <a:lumOff val="25000"/>
+                </a:schemeClr>
+              </a:solidFill>
+            </a:endParaRPr>
+          </a:p>
+        </p:txBody>
+      </p:sp>
+      <p:sp>
+        <p:nvSpPr>
+          <p:cNvPr id="3" name="슬라이드 번호 개체 틀 2"/>
+          <p:cNvSpPr>
+            <a:spLocks noGrp="1"/>
+          </p:cNvSpPr>
+          <p:nvPr>
+            <p:ph type="sldNum" sz="quarter" idx="12"/>
+          </p:nvPr>
+        </p:nvSpPr>
+        <p:spPr/>
+        <p:txBody>
+          <a:bodyPr/>
+          <a:lstStyle/>
+          <a:p>
+            <a:fld id="{6DDAE2C3-1A0B-474A-8CE8-AE55B8D9D4B1}" type="slidenum">
+              <a:rPr lang="ko-KR" altLang="en-US" smtClean="0"/>
+              <a:pPr/>
+              <a:t>34</a:t>
+            </a:fld>
+            <a:endParaRPr lang="ko-KR" altLang="en-US" dirty="0"/>
+          </a:p>
+        </p:txBody>
+      </p:sp>
+      <p:pic>
+        <p:nvPicPr>
+          <p:cNvPr id="2" name="그림 1">
+            <a:extLst>
+              <a:ext uri="{FF2B5EF4-FFF2-40B4-BE49-F238E27FC236}">
+                <a16:creationId xmlns:a16="http://schemas.microsoft.com/office/drawing/2014/main" id="{42E031B4-AED5-4F28-B798-755905D6A16C}"/>
+              </a:ext>
+            </a:extLst>
+          </p:cNvPr>
+          <p:cNvPicPr>
+            <a:picLocks noChangeAspect="1"/>
+          </p:cNvPicPr>
+          <p:nvPr/>
+        </p:nvPicPr>
+        <p:blipFill>
+          <a:blip r:embed="rId2"/>
+          <a:stretch>
+            <a:fillRect/>
+          </a:stretch>
+        </p:blipFill>
+        <p:spPr>
+          <a:xfrm>
+            <a:off x="3017837" y="2415381"/>
+            <a:ext cx="6124575" cy="2009775"/>
+          </a:xfrm>
+          <a:prstGeom prst="rect">
+            <a:avLst/>
+          </a:prstGeom>
+        </p:spPr>
+      </p:pic>
+    </p:spTree>
+    <p:extLst>
+      <p:ext uri="{BB962C8B-B14F-4D97-AF65-F5344CB8AC3E}">
+        <p14:creationId xmlns:p14="http://schemas.microsoft.com/office/powerpoint/2010/main" val="2029480034"/>
+      </p:ext>
+    </p:extLst>
+  </p:cSld>
+  <p:clrMapOvr>
+    <a:masterClrMapping/>
+  </p:clrMapOvr>
+</p:sld>
+</file>
+
+<file path=ppt/slides/slide35.xml><?xml version="1.0" encoding="utf-8"?>
+<p:sld xmlns:a="http://schemas.openxmlformats.org/drawingml/2006/main" xmlns:r="http://schemas.openxmlformats.org/officeDocument/2006/relationships" xmlns:p="http://schemas.openxmlformats.org/presentationml/2006/main">
+  <p:cSld>
+    <p:spTree>
+      <p:nvGrpSpPr>
+        <p:cNvPr id="1" name=""/>
+        <p:cNvGrpSpPr/>
+        <p:nvPr/>
+      </p:nvGrpSpPr>
+      <p:grpSpPr>
+        <a:xfrm>
+          <a:off x="0" y="0"/>
+          <a:ext cx="0" cy="0"/>
+          <a:chOff x="0" y="0"/>
+          <a:chExt cx="0" cy="0"/>
+        </a:xfrm>
+      </p:grpSpPr>
+      <p:sp>
+        <p:nvSpPr>
+          <p:cNvPr id="5" name="제목 4"/>
+          <p:cNvSpPr>
+            <a:spLocks noGrp="1"/>
+          </p:cNvSpPr>
+          <p:nvPr>
+            <p:ph type="title"/>
+          </p:nvPr>
+        </p:nvSpPr>
+        <p:spPr>
+          <a:xfrm>
+            <a:off x="608016" y="551987"/>
+            <a:ext cx="10944225" cy="1140090"/>
+          </a:xfrm>
+        </p:spPr>
+        <p:txBody>
+          <a:bodyPr>
+            <a:normAutofit fontScale="90000"/>
+          </a:bodyPr>
+          <a:lstStyle/>
+          <a:p>
+            <a:pPr algn="l"/>
+            <a:r>
+              <a:rPr lang="en-US" altLang="ko-KR" sz="4400" dirty="0">
+                <a:solidFill>
+                  <a:schemeClr val="tx1">
+                    <a:lumMod val="75000"/>
+                    <a:lumOff val="25000"/>
+                  </a:schemeClr>
+                </a:solidFill>
+                <a:latin typeface="Noto Sans CJK KR Black" pitchFamily="34" charset="-127"/>
+                <a:ea typeface="Noto Sans CJK KR Black" pitchFamily="34" charset="-127"/>
+              </a:rPr>
+              <a:t>2. </a:t>
+            </a:r>
+            <a:r>
+              <a:rPr lang="ko-KR" altLang="en-US" sz="4400" dirty="0">
+                <a:solidFill>
+                  <a:schemeClr val="tx1">
+                    <a:lumMod val="75000"/>
+                    <a:lumOff val="25000"/>
+                  </a:schemeClr>
+                </a:solidFill>
+                <a:latin typeface="Noto Sans CJK KR Black" pitchFamily="34" charset="-127"/>
+                <a:ea typeface="Noto Sans CJK KR Black" pitchFamily="34" charset="-127"/>
+              </a:rPr>
+              <a:t>시계열 </a:t>
+            </a:r>
+            <a:br>
+              <a:rPr lang="en-US" altLang="ko-KR" sz="4400" dirty="0">
+                <a:solidFill>
+                  <a:schemeClr val="tx1">
+                    <a:lumMod val="75000"/>
+                    <a:lumOff val="25000"/>
+                  </a:schemeClr>
+                </a:solidFill>
+                <a:latin typeface="Noto Sans CJK KR Black" pitchFamily="34" charset="-127"/>
+                <a:ea typeface="Noto Sans CJK KR Black" pitchFamily="34" charset="-127"/>
+              </a:rPr>
+            </a:br>
+            <a:r>
+              <a:rPr lang="ko-KR" altLang="en-US" sz="4400" dirty="0">
+                <a:solidFill>
+                  <a:schemeClr val="tx1">
+                    <a:lumMod val="75000"/>
+                    <a:lumOff val="25000"/>
+                  </a:schemeClr>
+                </a:solidFill>
+                <a:latin typeface="Noto Sans CJK KR Black" pitchFamily="34" charset="-127"/>
+                <a:ea typeface="Noto Sans CJK KR Black" pitchFamily="34" charset="-127"/>
+              </a:rPr>
+              <a:t>알고리즘</a:t>
+            </a:r>
+            <a:endParaRPr lang="ko-KR" altLang="en-US" sz="4400" dirty="0">
+              <a:solidFill>
+                <a:schemeClr val="tx1">
+                  <a:lumMod val="75000"/>
+                  <a:lumOff val="25000"/>
+                </a:schemeClr>
+              </a:solidFill>
+            </a:endParaRPr>
+          </a:p>
+        </p:txBody>
+      </p:sp>
+      <p:sp>
+        <p:nvSpPr>
+          <p:cNvPr id="3" name="슬라이드 번호 개체 틀 2"/>
+          <p:cNvSpPr>
+            <a:spLocks noGrp="1"/>
+          </p:cNvSpPr>
+          <p:nvPr>
+            <p:ph type="sldNum" sz="quarter" idx="12"/>
+          </p:nvPr>
+        </p:nvSpPr>
+        <p:spPr/>
+        <p:txBody>
+          <a:bodyPr/>
+          <a:lstStyle/>
+          <a:p>
+            <a:fld id="{6DDAE2C3-1A0B-474A-8CE8-AE55B8D9D4B1}" type="slidenum">
+              <a:rPr lang="ko-KR" altLang="en-US" smtClean="0"/>
+              <a:pPr/>
+              <a:t>35</a:t>
+            </a:fld>
+            <a:endParaRPr lang="ko-KR" altLang="en-US" dirty="0"/>
+          </a:p>
+        </p:txBody>
+      </p:sp>
+      <p:pic>
+        <p:nvPicPr>
+          <p:cNvPr id="2" name="그림 1">
+            <a:extLst>
+              <a:ext uri="{FF2B5EF4-FFF2-40B4-BE49-F238E27FC236}">
+                <a16:creationId xmlns:a16="http://schemas.microsoft.com/office/drawing/2014/main" id="{C5A13D97-8316-4377-A686-50846B0C9CBB}"/>
+              </a:ext>
+            </a:extLst>
+          </p:cNvPr>
+          <p:cNvPicPr>
+            <a:picLocks noChangeAspect="1"/>
+          </p:cNvPicPr>
+          <p:nvPr/>
+        </p:nvPicPr>
+        <p:blipFill>
+          <a:blip r:embed="rId2"/>
+          <a:stretch>
+            <a:fillRect/>
+          </a:stretch>
+        </p:blipFill>
+        <p:spPr>
+          <a:xfrm>
+            <a:off x="3991893" y="0"/>
+            <a:ext cx="7294682" cy="6840538"/>
+          </a:xfrm>
+          <a:prstGeom prst="rect">
+            <a:avLst/>
+          </a:prstGeom>
+        </p:spPr>
+      </p:pic>
+    </p:spTree>
+    <p:extLst>
+      <p:ext uri="{BB962C8B-B14F-4D97-AF65-F5344CB8AC3E}">
+        <p14:creationId xmlns:p14="http://schemas.microsoft.com/office/powerpoint/2010/main" val="3878497761"/>
+      </p:ext>
+    </p:extLst>
+  </p:cSld>
+  <p:clrMapOvr>
+    <a:masterClrMapping/>
+  </p:clrMapOvr>
+</p:sld>
+</file>
+
+<file path=ppt/slides/slide36.xml><?xml version="1.0" encoding="utf-8"?>
+<p:sld xmlns:a="http://schemas.openxmlformats.org/drawingml/2006/main" xmlns:r="http://schemas.openxmlformats.org/officeDocument/2006/relationships" xmlns:p="http://schemas.openxmlformats.org/presentationml/2006/main">
+  <p:cSld>
+    <p:spTree>
+      <p:nvGrpSpPr>
+        <p:cNvPr id="1" name=""/>
+        <p:cNvGrpSpPr/>
+        <p:nvPr/>
+      </p:nvGrpSpPr>
+      <p:grpSpPr>
+        <a:xfrm>
+          <a:off x="0" y="0"/>
+          <a:ext cx="0" cy="0"/>
+          <a:chOff x="0" y="0"/>
+          <a:chExt cx="0" cy="0"/>
+        </a:xfrm>
+      </p:grpSpPr>
+      <p:sp>
+        <p:nvSpPr>
+          <p:cNvPr id="5" name="제목 4"/>
+          <p:cNvSpPr>
+            <a:spLocks noGrp="1"/>
+          </p:cNvSpPr>
+          <p:nvPr>
+            <p:ph type="title"/>
+          </p:nvPr>
+        </p:nvSpPr>
+        <p:spPr>
+          <a:xfrm>
+            <a:off x="608016" y="551987"/>
+            <a:ext cx="10944225" cy="1140090"/>
+          </a:xfrm>
+        </p:spPr>
+        <p:txBody>
+          <a:bodyPr>
+            <a:normAutofit/>
+          </a:bodyPr>
+          <a:lstStyle/>
+          <a:p>
+            <a:pPr algn="l"/>
+            <a:r>
+              <a:rPr lang="en-US" altLang="ko-KR" sz="4400" dirty="0">
+                <a:solidFill>
+                  <a:schemeClr val="tx1">
+                    <a:lumMod val="75000"/>
+                    <a:lumOff val="25000"/>
+                  </a:schemeClr>
+                </a:solidFill>
+                <a:latin typeface="Noto Sans CJK KR Black" pitchFamily="34" charset="-127"/>
+                <a:ea typeface="Noto Sans CJK KR Black" pitchFamily="34" charset="-127"/>
+              </a:rPr>
+              <a:t>2. </a:t>
+            </a:r>
+            <a:r>
+              <a:rPr lang="ko-KR" altLang="en-US" sz="4400" dirty="0">
+                <a:solidFill>
+                  <a:schemeClr val="tx1">
+                    <a:lumMod val="75000"/>
+                    <a:lumOff val="25000"/>
+                  </a:schemeClr>
+                </a:solidFill>
+                <a:latin typeface="Noto Sans CJK KR Black" pitchFamily="34" charset="-127"/>
+                <a:ea typeface="Noto Sans CJK KR Black" pitchFamily="34" charset="-127"/>
+              </a:rPr>
+              <a:t>시계열 알고리즘</a:t>
+            </a:r>
+            <a:endParaRPr lang="ko-KR" altLang="en-US" sz="4400" dirty="0">
+              <a:solidFill>
+                <a:schemeClr val="tx1">
+                  <a:lumMod val="75000"/>
+                  <a:lumOff val="25000"/>
+                </a:schemeClr>
+              </a:solidFill>
+            </a:endParaRPr>
+          </a:p>
+        </p:txBody>
+      </p:sp>
+      <p:sp>
+        <p:nvSpPr>
+          <p:cNvPr id="3" name="슬라이드 번호 개체 틀 2"/>
+          <p:cNvSpPr>
+            <a:spLocks noGrp="1"/>
+          </p:cNvSpPr>
+          <p:nvPr>
+            <p:ph type="sldNum" sz="quarter" idx="12"/>
+          </p:nvPr>
+        </p:nvSpPr>
+        <p:spPr/>
+        <p:txBody>
+          <a:bodyPr/>
+          <a:lstStyle/>
+          <a:p>
+            <a:fld id="{6DDAE2C3-1A0B-474A-8CE8-AE55B8D9D4B1}" type="slidenum">
+              <a:rPr lang="ko-KR" altLang="en-US" smtClean="0"/>
+              <a:pPr/>
+              <a:t>36</a:t>
+            </a:fld>
+            <a:endParaRPr lang="ko-KR" altLang="en-US" dirty="0"/>
+          </a:p>
+        </p:txBody>
+      </p:sp>
+      <p:pic>
+        <p:nvPicPr>
+          <p:cNvPr id="2" name="그림 1">
+            <a:extLst>
+              <a:ext uri="{FF2B5EF4-FFF2-40B4-BE49-F238E27FC236}">
                 <a16:creationId xmlns:a16="http://schemas.microsoft.com/office/drawing/2014/main" id="{C3A90D5B-BA11-46A9-954E-3DAE3144A55E}"/>
               </a:ext>
             </a:extLst>
@@ -6024,7 +8688,7 @@
 </p:sld>
 </file>
 
-<file path=ppt/slides/slide22.xml><?xml version="1.0" encoding="utf-8"?>
+<file path=ppt/slides/slide37.xml><?xml version="1.0" encoding="utf-8"?>
 <p:sld xmlns:a="http://schemas.openxmlformats.org/drawingml/2006/main" xmlns:r="http://schemas.openxmlformats.org/officeDocument/2006/relationships" xmlns:p="http://schemas.openxmlformats.org/presentationml/2006/main">
   <p:cSld>
     <p:spTree>
@@ -6210,237 +8874,6 @@
 </p:sld>
 </file>
 
-<file path=ppt/slides/slide3.xml><?xml version="1.0" encoding="utf-8"?>
-<p:sld xmlns:a="http://schemas.openxmlformats.org/drawingml/2006/main" xmlns:r="http://schemas.openxmlformats.org/officeDocument/2006/relationships" xmlns:p="http://schemas.openxmlformats.org/presentationml/2006/main">
-  <p:cSld>
-    <p:bg>
-      <p:bgPr>
-        <a:solidFill>
-          <a:schemeClr val="bg1">
-            <a:lumMod val="65000"/>
-          </a:schemeClr>
-        </a:solidFill>
-        <a:effectLst/>
-      </p:bgPr>
-    </p:bg>
-    <p:spTree>
-      <p:nvGrpSpPr>
-        <p:cNvPr id="1" name=""/>
-        <p:cNvGrpSpPr/>
-        <p:nvPr/>
-      </p:nvGrpSpPr>
-      <p:grpSpPr>
-        <a:xfrm>
-          <a:off x="0" y="0"/>
-          <a:ext cx="0" cy="0"/>
-          <a:chOff x="0" y="0"/>
-          <a:chExt cx="0" cy="0"/>
-        </a:xfrm>
-      </p:grpSpPr>
-      <p:sp>
-        <p:nvSpPr>
-          <p:cNvPr id="4" name="슬라이드 번호 개체 틀 3"/>
-          <p:cNvSpPr>
-            <a:spLocks noGrp="1"/>
-          </p:cNvSpPr>
-          <p:nvPr>
-            <p:ph type="sldNum" sz="quarter" idx="12"/>
-          </p:nvPr>
-        </p:nvSpPr>
-        <p:spPr/>
-        <p:txBody>
-          <a:bodyPr/>
-          <a:lstStyle/>
-          <a:p>
-            <a:fld id="{6DDAE2C3-1A0B-474A-8CE8-AE55B8D9D4B1}" type="slidenum">
-              <a:rPr lang="ko-KR" altLang="en-US" smtClean="0"/>
-              <a:pPr/>
-              <a:t>3</a:t>
-            </a:fld>
-            <a:endParaRPr lang="ko-KR" altLang="en-US" dirty="0"/>
-          </a:p>
-        </p:txBody>
-      </p:sp>
-      <p:sp>
-        <p:nvSpPr>
-          <p:cNvPr id="11" name="TextBox 10"/>
-          <p:cNvSpPr txBox="1"/>
-          <p:nvPr/>
-        </p:nvSpPr>
-        <p:spPr>
-          <a:xfrm>
-            <a:off x="542135" y="855851"/>
-            <a:ext cx="11082606" cy="2031325"/>
-          </a:xfrm>
-          <a:prstGeom prst="rect">
-            <a:avLst/>
-          </a:prstGeom>
-          <a:solidFill>
-            <a:schemeClr val="bg1">
-              <a:lumMod val="65000"/>
-            </a:schemeClr>
-          </a:solidFill>
-        </p:spPr>
-        <p:txBody>
-          <a:bodyPr wrap="square" lIns="0" tIns="0" rIns="0" bIns="0" rtlCol="0" anchor="t">
-            <a:spAutoFit/>
-          </a:bodyPr>
-          <a:lstStyle/>
-          <a:p>
-            <a:r>
-              <a:rPr lang="en-US" altLang="ko-KR" sz="4400" dirty="0">
-                <a:solidFill>
-                  <a:schemeClr val="bg1"/>
-                </a:solidFill>
-                <a:latin typeface="Noto Sans CJK KR Black" panose="020B0A00000000000000" pitchFamily="34" charset="-127"/>
-                <a:ea typeface="Noto Sans CJK KR Black" panose="020B0A00000000000000" pitchFamily="34" charset="-127"/>
-              </a:rPr>
-              <a:t>Part3: 7</a:t>
-            </a:r>
-            <a:r>
-              <a:rPr lang="ko-KR" altLang="en-US" sz="4400" dirty="0" err="1">
-                <a:solidFill>
-                  <a:schemeClr val="bg1"/>
-                </a:solidFill>
-                <a:latin typeface="Noto Sans CJK KR Black" panose="020B0A00000000000000" pitchFamily="34" charset="-127"/>
-                <a:ea typeface="Noto Sans CJK KR Black" panose="020B0A00000000000000" pitchFamily="34" charset="-127"/>
-              </a:rPr>
-              <a:t>회차</a:t>
-            </a:r>
-            <a:r>
-              <a:rPr lang="ko-KR" altLang="en-US" sz="4400" dirty="0">
-                <a:solidFill>
-                  <a:schemeClr val="bg1"/>
-                </a:solidFill>
-                <a:latin typeface="Noto Sans CJK KR Black" panose="020B0A00000000000000" pitchFamily="34" charset="-127"/>
-                <a:ea typeface="Noto Sans CJK KR Black" panose="020B0A00000000000000" pitchFamily="34" charset="-127"/>
-              </a:rPr>
-              <a:t> 강의의 목적</a:t>
-            </a:r>
-            <a:r>
-              <a:rPr lang="en-US" altLang="ko-KR" sz="4400" dirty="0">
-                <a:solidFill>
-                  <a:schemeClr val="bg1"/>
-                </a:solidFill>
-                <a:latin typeface="Noto Sans CJK KR Black" panose="020B0A00000000000000" pitchFamily="34" charset="-127"/>
-                <a:ea typeface="Noto Sans CJK KR Black" panose="020B0A00000000000000" pitchFamily="34" charset="-127"/>
-              </a:rPr>
-              <a:t>.</a:t>
-            </a:r>
-          </a:p>
-          <a:p>
-            <a:endParaRPr lang="en-US" altLang="ko-KR" sz="4400" dirty="0">
-              <a:solidFill>
-                <a:schemeClr val="bg1"/>
-              </a:solidFill>
-              <a:latin typeface="Noto Sans CJK KR Black" panose="020B0A00000000000000" pitchFamily="34" charset="-127"/>
-              <a:ea typeface="Noto Sans CJK KR Black" panose="020B0A00000000000000" pitchFamily="34" charset="-127"/>
-            </a:endParaRPr>
-          </a:p>
-          <a:p>
-            <a:r>
-              <a:rPr lang="en-US" altLang="ko-KR" sz="4400" dirty="0">
-                <a:solidFill>
-                  <a:schemeClr val="bg1"/>
-                </a:solidFill>
-                <a:latin typeface="Noto Sans CJK KR Black" pitchFamily="34" charset="-127"/>
-                <a:ea typeface="Noto Sans CJK KR Black" pitchFamily="34" charset="-127"/>
-              </a:rPr>
-              <a:t>“</a:t>
-            </a:r>
-            <a:r>
-              <a:rPr lang="ko-KR" altLang="en-US" sz="4400" dirty="0">
-                <a:solidFill>
-                  <a:schemeClr val="bg1"/>
-                </a:solidFill>
-                <a:latin typeface="Noto Sans CJK KR Black" pitchFamily="34" charset="-127"/>
-                <a:ea typeface="Noto Sans CJK KR Black" pitchFamily="34" charset="-127"/>
-              </a:rPr>
-              <a:t>선형</a:t>
-            </a:r>
-            <a:r>
-              <a:rPr lang="en-US" altLang="ko-KR" sz="4400" dirty="0">
-                <a:solidFill>
-                  <a:schemeClr val="bg1"/>
-                </a:solidFill>
-                <a:latin typeface="Noto Sans CJK KR Black" pitchFamily="34" charset="-127"/>
-                <a:ea typeface="Noto Sans CJK KR Black" pitchFamily="34" charset="-127"/>
-              </a:rPr>
-              <a:t>/</a:t>
-            </a:r>
-            <a:r>
-              <a:rPr lang="ko-KR" altLang="en-US" sz="4400" dirty="0">
-                <a:solidFill>
-                  <a:schemeClr val="bg1"/>
-                </a:solidFill>
-                <a:latin typeface="Noto Sans CJK KR Black" pitchFamily="34" charset="-127"/>
-                <a:ea typeface="Noto Sans CJK KR Black" pitchFamily="34" charset="-127"/>
-              </a:rPr>
-              <a:t>비선형 시계열분석 완성</a:t>
-            </a:r>
-            <a:r>
-              <a:rPr lang="en-US" altLang="ko-KR" sz="4400" dirty="0">
-                <a:solidFill>
-                  <a:schemeClr val="bg1"/>
-                </a:solidFill>
-                <a:latin typeface="Noto Sans CJK KR Black" pitchFamily="34" charset="-127"/>
-                <a:ea typeface="Noto Sans CJK KR Black" pitchFamily="34" charset="-127"/>
-              </a:rPr>
-              <a:t>”</a:t>
-            </a:r>
-          </a:p>
-        </p:txBody>
-      </p:sp>
-      <p:sp>
-        <p:nvSpPr>
-          <p:cNvPr id="12" name="TextBox 11"/>
-          <p:cNvSpPr txBox="1"/>
-          <p:nvPr/>
-        </p:nvSpPr>
-        <p:spPr>
-          <a:xfrm>
-            <a:off x="4783981" y="611957"/>
-            <a:ext cx="7056784" cy="216726"/>
-          </a:xfrm>
-          <a:prstGeom prst="rect">
-            <a:avLst/>
-          </a:prstGeom>
-          <a:noFill/>
-        </p:spPr>
-        <p:txBody>
-          <a:bodyPr wrap="square" lIns="0" tIns="0" rIns="0" bIns="0" rtlCol="0" anchor="t">
-            <a:spAutoFit/>
-          </a:bodyPr>
-          <a:lstStyle/>
-          <a:p>
-            <a:pPr>
-              <a:lnSpc>
-                <a:spcPct val="150000"/>
-              </a:lnSpc>
-            </a:pPr>
-            <a:endParaRPr lang="en-US" altLang="ko-KR" sz="1050" dirty="0">
-              <a:solidFill>
-                <a:schemeClr val="bg1"/>
-              </a:solidFill>
-              <a:latin typeface="Noto Sans CJK KR Medium" panose="020B0600000000000000" pitchFamily="34" charset="-127"/>
-              <a:ea typeface="Noto Sans CJK KR Medium" panose="020B0600000000000000" pitchFamily="34" charset="-127"/>
-            </a:endParaRPr>
-          </a:p>
-        </p:txBody>
-      </p:sp>
-    </p:spTree>
-    <p:extLst>
-      <p:ext uri="{BB962C8B-B14F-4D97-AF65-F5344CB8AC3E}">
-        <p14:creationId xmlns:p14="http://schemas.microsoft.com/office/powerpoint/2010/main" val="3339102357"/>
-      </p:ext>
-    </p:extLst>
-  </p:cSld>
-  <p:clrMapOvr>
-    <a:masterClrMapping/>
-  </p:clrMapOvr>
-</p:sld>
-</file>
-
 <file path=ppt/slides/slide4.xml><?xml version="1.0" encoding="utf-8"?>
 <p:sld xmlns:a="http://schemas.openxmlformats.org/drawingml/2006/main" xmlns:r="http://schemas.openxmlformats.org/officeDocument/2006/relationships" xmlns:p="http://schemas.openxmlformats.org/presentationml/2006/main">
   <p:cSld>
@@ -6476,7 +8909,7 @@
         </p:spPr>
         <p:txBody>
           <a:bodyPr>
-            <a:normAutofit fontScale="90000"/>
+            <a:normAutofit/>
           </a:bodyPr>
           <a:lstStyle/>
           <a:p>
@@ -6505,32 +8938,7 @@
                 <a:latin typeface="Noto Sans CJK KR Black" pitchFamily="34" charset="-127"/>
                 <a:ea typeface="Noto Sans CJK KR Black" pitchFamily="34" charset="-127"/>
               </a:rPr>
-              <a:t>시계열 </a:t>
-            </a:r>
-            <a:br>
-              <a:rPr lang="en-US" altLang="ko-KR" sz="4400" dirty="0">
-                <a:solidFill>
-                  <a:schemeClr val="tx1">
-                    <a:lumMod val="75000"/>
-                    <a:lumOff val="25000"/>
-                  </a:schemeClr>
-                </a:solidFill>
-                <a:latin typeface="Noto Sans CJK KR Black" pitchFamily="34" charset="-127"/>
-                <a:ea typeface="Noto Sans CJK KR Black" pitchFamily="34" charset="-127"/>
-              </a:rPr>
-            </a:br>
-            <a:r>
-              <a:rPr lang="ko-KR" altLang="en-US" sz="4400" dirty="0">
-                <a:solidFill>
-                  <a:schemeClr val="tx1">
-                    <a:lumMod val="75000"/>
-                    <a:lumOff val="25000"/>
-                  </a:schemeClr>
-                </a:solidFill>
-                <a:latin typeface="Noto Sans CJK KR Black" pitchFamily="34" charset="-127"/>
-                <a:ea typeface="Noto Sans CJK KR Black" pitchFamily="34" charset="-127"/>
-              </a:rPr>
-              <a:t>알고리즘</a:t>
+              <a:t>시계열 알고리즘</a:t>
             </a:r>
             <a:endParaRPr lang="ko-KR" altLang="en-US" sz="4400" dirty="0">
               <a:solidFill>
@@ -6572,7 +8980,7 @@
           <p:cNvPr id="2" name="그림 1">
             <a:extLst>
               <a:ext uri="{FF2B5EF4-FFF2-40B4-BE49-F238E27FC236}">
-                <a16:creationId xmlns:a16="http://schemas.microsoft.com/office/drawing/2014/main" id="{584EE725-362F-4CBD-8B56-F9827AE4F0D4}"/>
+                <a16:creationId xmlns:a16="http://schemas.microsoft.com/office/drawing/2014/main" id="{778EFBE4-DF26-4A50-9CB0-4C17EBE5C470}"/>
               </a:ext>
             </a:extLst>
           </p:cNvPr>
@@ -6589,8 +8997,8 @@
         </p:blipFill>
         <p:spPr>
           <a:xfrm>
-            <a:off x="3199805" y="530680"/>
-            <a:ext cx="7820025" cy="5553075"/>
+            <a:off x="2851150" y="2268141"/>
+            <a:ext cx="6457950" cy="3200400"/>
           </a:xfrm>
           <a:prstGeom prst="rect">
             <a:avLst/>
@@ -6600,7 +9008,7 @@
     </p:spTree>
     <p:extLst>
       <p:ext uri="{BB962C8B-B14F-4D97-AF65-F5344CB8AC3E}">
-        <p14:creationId xmlns:p14="http://schemas.microsoft.com/office/powerpoint/2010/main" val="1248076870"/>
+        <p14:creationId xmlns:p14="http://schemas.microsoft.com/office/powerpoint/2010/main" val="1225610205"/>
       </p:ext>
     </p:extLst>
   </p:cSld>
@@ -6716,7 +9124,7 @@
           <p:cNvPr id="2" name="그림 1">
             <a:extLst>
               <a:ext uri="{FF2B5EF4-FFF2-40B4-BE49-F238E27FC236}">
-                <a16:creationId xmlns:a16="http://schemas.microsoft.com/office/drawing/2014/main" id="{93F72C46-B703-49C2-A2AA-0CB7A692D5CC}"/>
+                <a16:creationId xmlns:a16="http://schemas.microsoft.com/office/drawing/2014/main" id="{778CF021-89D3-4555-AF93-29EF819B59BA}"/>
               </a:ext>
             </a:extLst>
           </p:cNvPr>
@@ -6733,38 +9141,8 @@
         </p:blipFill>
         <p:spPr>
           <a:xfrm>
-            <a:off x="1951037" y="2086769"/>
-            <a:ext cx="8258175" cy="2667000"/>
-          </a:xfrm>
-          <a:prstGeom prst="rect">
-            <a:avLst/>
-          </a:prstGeom>
-        </p:spPr>
-      </p:pic>
-      <p:pic>
-        <p:nvPicPr>
-          <p:cNvPr id="4" name="그림 3">
-            <a:extLst>
-              <a:ext uri="{FF2B5EF4-FFF2-40B4-BE49-F238E27FC236}">
-                <a16:creationId xmlns:a16="http://schemas.microsoft.com/office/drawing/2014/main" id="{9E33E7AE-BF80-49CF-AF52-5AE076AB868E}"/>
-              </a:ext>
-            </a:extLst>
-          </p:cNvPr>
-          <p:cNvPicPr>
-            <a:picLocks noChangeAspect="1"/>
-          </p:cNvPicPr>
-          <p:nvPr/>
-        </p:nvPicPr>
-        <p:blipFill>
-          <a:blip r:embed="rId3"/>
-          <a:stretch>
-            <a:fillRect/>
-          </a:stretch>
-        </p:blipFill>
-        <p:spPr>
-          <a:xfrm>
-            <a:off x="1960562" y="5148461"/>
-            <a:ext cx="8248650" cy="1019175"/>
+            <a:off x="5432053" y="0"/>
+            <a:ext cx="6016377" cy="6840538"/>
           </a:xfrm>
           <a:prstGeom prst="rect">
             <a:avLst/>
@@ -6774,7 +9152,7 @@
     </p:spTree>
     <p:extLst>
       <p:ext uri="{BB962C8B-B14F-4D97-AF65-F5344CB8AC3E}">
-        <p14:creationId xmlns:p14="http://schemas.microsoft.com/office/powerpoint/2010/main" val="4061144604"/>
+        <p14:creationId xmlns:p14="http://schemas.microsoft.com/office/powerpoint/2010/main" val="3907102650"/>
       </p:ext>
     </p:extLst>
   </p:cSld>
@@ -6819,7 +9197,7 @@
         </p:spPr>
         <p:txBody>
           <a:bodyPr>
-            <a:normAutofit fontScale="90000"/>
+            <a:normAutofit/>
           </a:bodyPr>
           <a:lstStyle/>
           <a:p>
@@ -6848,32 +9226,7 @@
                 <a:latin typeface="Noto Sans CJK KR Black" pitchFamily="34" charset="-127"/>
                 <a:ea typeface="Noto Sans CJK KR Black" pitchFamily="34" charset="-127"/>
               </a:rPr>
-              <a:t>시계열</a:t>
-            </a:r>
-            <a:br>
-              <a:rPr lang="en-US" altLang="ko-KR" sz="4400" dirty="0">
-                <a:solidFill>
-                  <a:schemeClr val="tx1">
-                    <a:lumMod val="75000"/>
-                    <a:lumOff val="25000"/>
-                  </a:schemeClr>
-                </a:solidFill>
-                <a:latin typeface="Noto Sans CJK KR Black" pitchFamily="34" charset="-127"/>
-                <a:ea typeface="Noto Sans CJK KR Black" pitchFamily="34" charset="-127"/>
-              </a:rPr>
-            </a:br>
-            <a:r>
-              <a:rPr lang="ko-KR" altLang="en-US" sz="4400" dirty="0">
-                <a:solidFill>
-                  <a:schemeClr val="tx1">
-                    <a:lumMod val="75000"/>
-                    <a:lumOff val="25000"/>
-                  </a:schemeClr>
-                </a:solidFill>
-                <a:latin typeface="Noto Sans CJK KR Black" pitchFamily="34" charset="-127"/>
-                <a:ea typeface="Noto Sans CJK KR Black" pitchFamily="34" charset="-127"/>
-              </a:rPr>
-              <a:t> 알고리즘</a:t>
+              <a:t>시계열 알고리즘</a:t>
             </a:r>
             <a:endParaRPr lang="ko-KR" altLang="en-US" sz="4400" dirty="0">
               <a:solidFill>
@@ -6915,7 +9268,7 @@
           <p:cNvPr id="2" name="그림 1">
             <a:extLst>
               <a:ext uri="{FF2B5EF4-FFF2-40B4-BE49-F238E27FC236}">
-                <a16:creationId xmlns:a16="http://schemas.microsoft.com/office/drawing/2014/main" id="{E4F9E486-DBE1-4D8B-9243-A220F591C24B}"/>
+                <a16:creationId xmlns:a16="http://schemas.microsoft.com/office/drawing/2014/main" id="{0B17A6A7-F5A2-4D11-AB36-B6381C62B4BD}"/>
               </a:ext>
             </a:extLst>
           </p:cNvPr>
@@ -6932,8 +9285,8 @@
         </p:blipFill>
         <p:spPr>
           <a:xfrm>
-            <a:off x="3092450" y="191294"/>
-            <a:ext cx="9067800" cy="6457950"/>
+            <a:off x="1770062" y="2124125"/>
+            <a:ext cx="8620125" cy="3057525"/>
           </a:xfrm>
           <a:prstGeom prst="rect">
             <a:avLst/>
@@ -6943,7 +9296,7 @@
     </p:spTree>
     <p:extLst>
       <p:ext uri="{BB962C8B-B14F-4D97-AF65-F5344CB8AC3E}">
-        <p14:creationId xmlns:p14="http://schemas.microsoft.com/office/powerpoint/2010/main" val="829114200"/>
+        <p14:creationId xmlns:p14="http://schemas.microsoft.com/office/powerpoint/2010/main" val="1011326395"/>
       </p:ext>
     </p:extLst>
   </p:cSld>
@@ -6988,7 +9341,7 @@
         </p:spPr>
         <p:txBody>
           <a:bodyPr>
-            <a:normAutofit fontScale="90000"/>
+            <a:normAutofit/>
           </a:bodyPr>
           <a:lstStyle/>
           <a:p>
@@ -7017,32 +9370,7 @@
                 <a:latin typeface="Noto Sans CJK KR Black" pitchFamily="34" charset="-127"/>
                 <a:ea typeface="Noto Sans CJK KR Black" pitchFamily="34" charset="-127"/>
               </a:rPr>
-              <a:t>시계열</a:t>
-            </a:r>
-            <a:br>
-              <a:rPr lang="en-US" altLang="ko-KR" sz="4400" dirty="0">
-                <a:solidFill>
-                  <a:schemeClr val="tx1">
-                    <a:lumMod val="75000"/>
-                    <a:lumOff val="25000"/>
-                  </a:schemeClr>
-                </a:solidFill>
-                <a:latin typeface="Noto Sans CJK KR Black" pitchFamily="34" charset="-127"/>
-                <a:ea typeface="Noto Sans CJK KR Black" pitchFamily="34" charset="-127"/>
-              </a:rPr>
-            </a:br>
-            <a:r>
-              <a:rPr lang="ko-KR" altLang="en-US" sz="4400" dirty="0">
-                <a:solidFill>
-                  <a:schemeClr val="tx1">
-                    <a:lumMod val="75000"/>
-                    <a:lumOff val="25000"/>
-                  </a:schemeClr>
-                </a:solidFill>
-                <a:latin typeface="Noto Sans CJK KR Black" pitchFamily="34" charset="-127"/>
-                <a:ea typeface="Noto Sans CJK KR Black" pitchFamily="34" charset="-127"/>
-              </a:rPr>
-              <a:t> 알고리즘</a:t>
+              <a:t>시계열 알고리즘</a:t>
             </a:r>
             <a:endParaRPr lang="ko-KR" altLang="en-US" sz="4400" dirty="0">
               <a:solidFill>
@@ -7081,10 +9409,10 @@
       </p:sp>
       <p:pic>
         <p:nvPicPr>
-          <p:cNvPr id="4" name="그림 3">
+          <p:cNvPr id="2" name="그림 1">
             <a:extLst>
               <a:ext uri="{FF2B5EF4-FFF2-40B4-BE49-F238E27FC236}">
-                <a16:creationId xmlns:a16="http://schemas.microsoft.com/office/drawing/2014/main" id="{5C34A0B5-1C8A-46BE-A7FA-54092D01B58A}"/>
+                <a16:creationId xmlns:a16="http://schemas.microsoft.com/office/drawing/2014/main" id="{B57389A3-63EE-4929-B9B6-E663C7A546A2}"/>
               </a:ext>
             </a:extLst>
           </p:cNvPr>
@@ -7101,8 +9429,8 @@
         </p:blipFill>
         <p:spPr>
           <a:xfrm>
-            <a:off x="3631853" y="348129"/>
-            <a:ext cx="7086600" cy="6210300"/>
+            <a:off x="2065337" y="1836093"/>
+            <a:ext cx="8029575" cy="4076700"/>
           </a:xfrm>
           <a:prstGeom prst="rect">
             <a:avLst/>
@@ -7112,7 +9440,7 @@
     </p:spTree>
     <p:extLst>
       <p:ext uri="{BB962C8B-B14F-4D97-AF65-F5344CB8AC3E}">
-        <p14:creationId xmlns:p14="http://schemas.microsoft.com/office/powerpoint/2010/main" val="1045038468"/>
+        <p14:creationId xmlns:p14="http://schemas.microsoft.com/office/powerpoint/2010/main" val="769741380"/>
       </p:ext>
     </p:extLst>
   </p:cSld>
@@ -7157,7 +9485,7 @@
         </p:spPr>
         <p:txBody>
           <a:bodyPr>
-            <a:normAutofit fontScale="90000"/>
+            <a:normAutofit/>
           </a:bodyPr>
           <a:lstStyle/>
           <a:p>
@@ -7186,32 +9514,7 @@
                 <a:latin typeface="Noto Sans CJK KR Black" pitchFamily="34" charset="-127"/>
                 <a:ea typeface="Noto Sans CJK KR Black" pitchFamily="34" charset="-127"/>
               </a:rPr>
-              <a:t>시계열</a:t>
-            </a:r>
-            <a:br>
-              <a:rPr lang="en-US" altLang="ko-KR" sz="4400" dirty="0">
-                <a:solidFill>
-                  <a:schemeClr val="tx1">
-                    <a:lumMod val="75000"/>
-                    <a:lumOff val="25000"/>
-                  </a:schemeClr>
-                </a:solidFill>
-                <a:latin typeface="Noto Sans CJK KR Black" pitchFamily="34" charset="-127"/>
-                <a:ea typeface="Noto Sans CJK KR Black" pitchFamily="34" charset="-127"/>
-              </a:rPr>
-            </a:br>
-            <a:r>
-              <a:rPr lang="ko-KR" altLang="en-US" sz="4400" dirty="0">
-                <a:solidFill>
-                  <a:schemeClr val="tx1">
-                    <a:lumMod val="75000"/>
-                    <a:lumOff val="25000"/>
-                  </a:schemeClr>
-                </a:solidFill>
-                <a:latin typeface="Noto Sans CJK KR Black" pitchFamily="34" charset="-127"/>
-                <a:ea typeface="Noto Sans CJK KR Black" pitchFamily="34" charset="-127"/>
-              </a:rPr>
-              <a:t> 알고리즘</a:t>
+              <a:t>시계열 알고리즘</a:t>
             </a:r>
             <a:endParaRPr lang="ko-KR" altLang="en-US" sz="4400" dirty="0">
               <a:solidFill>
@@ -7253,7 +9556,7 @@
           <p:cNvPr id="2" name="그림 1">
             <a:extLst>
               <a:ext uri="{FF2B5EF4-FFF2-40B4-BE49-F238E27FC236}">
-                <a16:creationId xmlns:a16="http://schemas.microsoft.com/office/drawing/2014/main" id="{EBC489B1-8B87-4443-8BE2-55D13EB29AC6}"/>
+                <a16:creationId xmlns:a16="http://schemas.microsoft.com/office/drawing/2014/main" id="{CA0803DC-6CE7-4A33-AAEC-56C3FCEF02B9}"/>
               </a:ext>
             </a:extLst>
           </p:cNvPr>
@@ -7270,8 +9573,8 @@
         </p:blipFill>
         <p:spPr>
           <a:xfrm>
-            <a:off x="3343821" y="1148761"/>
-            <a:ext cx="7524750" cy="4886325"/>
+            <a:off x="1951037" y="1665478"/>
+            <a:ext cx="8258175" cy="5076825"/>
           </a:xfrm>
           <a:prstGeom prst="rect">
             <a:avLst/>
@@ -7281,7 +9584,7 @@
     </p:spTree>
     <p:extLst>
       <p:ext uri="{BB962C8B-B14F-4D97-AF65-F5344CB8AC3E}">
-        <p14:creationId xmlns:p14="http://schemas.microsoft.com/office/powerpoint/2010/main" val="586822101"/>
+        <p14:creationId xmlns:p14="http://schemas.microsoft.com/office/powerpoint/2010/main" val="2527531930"/>
       </p:ext>
     </p:extLst>
   </p:cSld>
@@ -7326,7 +9629,7 @@
         </p:spPr>
         <p:txBody>
           <a:bodyPr>
-            <a:normAutofit fontScale="90000"/>
+            <a:normAutofit/>
           </a:bodyPr>
           <a:lstStyle/>
           <a:p>
@@ -7355,32 +9658,7 @@
                 <a:latin typeface="Noto Sans CJK KR Black" pitchFamily="34" charset="-127"/>
                 <a:ea typeface="Noto Sans CJK KR Black" pitchFamily="34" charset="-127"/>
               </a:rPr>
-              <a:t>시계열</a:t>
-            </a:r>
-            <a:br>
-              <a:rPr lang="en-US" altLang="ko-KR" sz="4400" dirty="0">
-                <a:solidFill>
-                  <a:schemeClr val="tx1">
-                    <a:lumMod val="75000"/>
-                    <a:lumOff val="25000"/>
-                  </a:schemeClr>
-                </a:solidFill>
-                <a:latin typeface="Noto Sans CJK KR Black" pitchFamily="34" charset="-127"/>
-                <a:ea typeface="Noto Sans CJK KR Black" pitchFamily="34" charset="-127"/>
-              </a:rPr>
-            </a:br>
-            <a:r>
-              <a:rPr lang="ko-KR" altLang="en-US" sz="4400" dirty="0">
-                <a:solidFill>
-                  <a:schemeClr val="tx1">
-                    <a:lumMod val="75000"/>
-                    <a:lumOff val="25000"/>
-                  </a:schemeClr>
-                </a:solidFill>
-                <a:latin typeface="Noto Sans CJK KR Black" pitchFamily="34" charset="-127"/>
-                <a:ea typeface="Noto Sans CJK KR Black" pitchFamily="34" charset="-127"/>
-              </a:rPr>
-              <a:t> 알고리즘</a:t>
+              <a:t>시계열 알고리즘</a:t>
             </a:r>
             <a:endParaRPr lang="ko-KR" altLang="en-US" sz="4400" dirty="0">
               <a:solidFill>
@@ -7419,10 +9697,10 @@
       </p:sp>
       <p:pic>
         <p:nvPicPr>
-          <p:cNvPr id="4" name="그림 3">
+          <p:cNvPr id="2" name="그림 1">
             <a:extLst>
               <a:ext uri="{FF2B5EF4-FFF2-40B4-BE49-F238E27FC236}">
-                <a16:creationId xmlns:a16="http://schemas.microsoft.com/office/drawing/2014/main" id="{C02A698F-6E88-4B49-8B68-6CDF14962AF3}"/>
+                <a16:creationId xmlns:a16="http://schemas.microsoft.com/office/drawing/2014/main" id="{711F9C50-C913-4363-8940-F9050F5571B4}"/>
               </a:ext>
             </a:extLst>
           </p:cNvPr>
@@ -7439,38 +9717,8 @@
         </p:blipFill>
         <p:spPr>
           <a:xfrm>
-            <a:off x="4423941" y="251917"/>
-            <a:ext cx="5648325" cy="2200275"/>
-          </a:xfrm>
-          <a:prstGeom prst="rect">
-            <a:avLst/>
-          </a:prstGeom>
-        </p:spPr>
-      </p:pic>
-      <p:pic>
-        <p:nvPicPr>
-          <p:cNvPr id="6" name="그림 5">
-            <a:extLst>
-              <a:ext uri="{FF2B5EF4-FFF2-40B4-BE49-F238E27FC236}">
-                <a16:creationId xmlns:a16="http://schemas.microsoft.com/office/drawing/2014/main" id="{1341F157-F045-44D3-B006-B8FAB7CCBCC7}"/>
-              </a:ext>
-            </a:extLst>
-          </p:cNvPr>
-          <p:cNvPicPr>
-            <a:picLocks noChangeAspect="1"/>
-          </p:cNvPicPr>
-          <p:nvPr/>
-        </p:nvPicPr>
-        <p:blipFill>
-          <a:blip r:embed="rId3"/>
-          <a:stretch>
-            <a:fillRect/>
-          </a:stretch>
-        </p:blipFill>
-        <p:spPr>
-          <a:xfrm>
-            <a:off x="3744316" y="2622415"/>
-            <a:ext cx="8382000" cy="4143375"/>
+            <a:off x="2189162" y="2268141"/>
+            <a:ext cx="7781925" cy="3286125"/>
           </a:xfrm>
           <a:prstGeom prst="rect">
             <a:avLst/>
@@ -7480,7 +9728,7 @@
     </p:spTree>
     <p:extLst>
       <p:ext uri="{BB962C8B-B14F-4D97-AF65-F5344CB8AC3E}">
-        <p14:creationId xmlns:p14="http://schemas.microsoft.com/office/powerpoint/2010/main" val="3119711726"/>
+        <p14:creationId xmlns:p14="http://schemas.microsoft.com/office/powerpoint/2010/main" val="2143910519"/>
       </p:ext>
     </p:extLst>
   </p:cSld>
